--- a/fig-ppt/network-generator.pptx
+++ b/fig-ppt/network-generator.pptx
@@ -104,6 +104,11 @@
       </a:defRPr>
     </a:lvl9pPr>
   </p:defaultTextStyle>
+  <p:extLst>
+    <p:ext uri="{EFAFB233-063F-42B5-8137-9DF3F51BA10A}">
+      <p15:sldGuideLst xmlns:p15="http://schemas.microsoft.com/office/powerpoint/2012/main"/>
+    </p:ext>
+  </p:extLst>
 </p:presentation>
 </file>
 
@@ -254,7 +259,7 @@
           <a:p>
             <a:fld id="{97A88DCE-42CB-42D0-B85D-3FC4EA64DBAC}" type="datetimeFigureOut">
               <a:rPr lang="zh-CN" altLang="en-US" smtClean="0"/>
-              <a:t>2023/3/13</a:t>
+              <a:t>2023/4/5</a:t>
             </a:fld>
             <a:endParaRPr lang="zh-CN" altLang="en-US"/>
           </a:p>
@@ -452,7 +457,7 @@
           <a:p>
             <a:fld id="{97A88DCE-42CB-42D0-B85D-3FC4EA64DBAC}" type="datetimeFigureOut">
               <a:rPr lang="zh-CN" altLang="en-US" smtClean="0"/>
-              <a:t>2023/3/13</a:t>
+              <a:t>2023/4/5</a:t>
             </a:fld>
             <a:endParaRPr lang="zh-CN" altLang="en-US"/>
           </a:p>
@@ -660,7 +665,7 @@
           <a:p>
             <a:fld id="{97A88DCE-42CB-42D0-B85D-3FC4EA64DBAC}" type="datetimeFigureOut">
               <a:rPr lang="zh-CN" altLang="en-US" smtClean="0"/>
-              <a:t>2023/3/13</a:t>
+              <a:t>2023/4/5</a:t>
             </a:fld>
             <a:endParaRPr lang="zh-CN" altLang="en-US"/>
           </a:p>
@@ -858,7 +863,7 @@
           <a:p>
             <a:fld id="{97A88DCE-42CB-42D0-B85D-3FC4EA64DBAC}" type="datetimeFigureOut">
               <a:rPr lang="zh-CN" altLang="en-US" smtClean="0"/>
-              <a:t>2023/3/13</a:t>
+              <a:t>2023/4/5</a:t>
             </a:fld>
             <a:endParaRPr lang="zh-CN" altLang="en-US"/>
           </a:p>
@@ -1133,7 +1138,7 @@
           <a:p>
             <a:fld id="{97A88DCE-42CB-42D0-B85D-3FC4EA64DBAC}" type="datetimeFigureOut">
               <a:rPr lang="zh-CN" altLang="en-US" smtClean="0"/>
-              <a:t>2023/3/13</a:t>
+              <a:t>2023/4/5</a:t>
             </a:fld>
             <a:endParaRPr lang="zh-CN" altLang="en-US"/>
           </a:p>
@@ -1398,7 +1403,7 @@
           <a:p>
             <a:fld id="{97A88DCE-42CB-42D0-B85D-3FC4EA64DBAC}" type="datetimeFigureOut">
               <a:rPr lang="zh-CN" altLang="en-US" smtClean="0"/>
-              <a:t>2023/3/13</a:t>
+              <a:t>2023/4/5</a:t>
             </a:fld>
             <a:endParaRPr lang="zh-CN" altLang="en-US"/>
           </a:p>
@@ -1810,7 +1815,7 @@
           <a:p>
             <a:fld id="{97A88DCE-42CB-42D0-B85D-3FC4EA64DBAC}" type="datetimeFigureOut">
               <a:rPr lang="zh-CN" altLang="en-US" smtClean="0"/>
-              <a:t>2023/3/13</a:t>
+              <a:t>2023/4/5</a:t>
             </a:fld>
             <a:endParaRPr lang="zh-CN" altLang="en-US"/>
           </a:p>
@@ -1951,7 +1956,7 @@
           <a:p>
             <a:fld id="{97A88DCE-42CB-42D0-B85D-3FC4EA64DBAC}" type="datetimeFigureOut">
               <a:rPr lang="zh-CN" altLang="en-US" smtClean="0"/>
-              <a:t>2023/3/13</a:t>
+              <a:t>2023/4/5</a:t>
             </a:fld>
             <a:endParaRPr lang="zh-CN" altLang="en-US"/>
           </a:p>
@@ -2064,7 +2069,7 @@
           <a:p>
             <a:fld id="{97A88DCE-42CB-42D0-B85D-3FC4EA64DBAC}" type="datetimeFigureOut">
               <a:rPr lang="zh-CN" altLang="en-US" smtClean="0"/>
-              <a:t>2023/3/13</a:t>
+              <a:t>2023/4/5</a:t>
             </a:fld>
             <a:endParaRPr lang="zh-CN" altLang="en-US"/>
           </a:p>
@@ -2375,7 +2380,7 @@
           <a:p>
             <a:fld id="{97A88DCE-42CB-42D0-B85D-3FC4EA64DBAC}" type="datetimeFigureOut">
               <a:rPr lang="zh-CN" altLang="en-US" smtClean="0"/>
-              <a:t>2023/3/13</a:t>
+              <a:t>2023/4/5</a:t>
             </a:fld>
             <a:endParaRPr lang="zh-CN" altLang="en-US"/>
           </a:p>
@@ -2663,7 +2668,7 @@
           <a:p>
             <a:fld id="{97A88DCE-42CB-42D0-B85D-3FC4EA64DBAC}" type="datetimeFigureOut">
               <a:rPr lang="zh-CN" altLang="en-US" smtClean="0"/>
-              <a:t>2023/3/13</a:t>
+              <a:t>2023/4/5</a:t>
             </a:fld>
             <a:endParaRPr lang="zh-CN" altLang="en-US"/>
           </a:p>
@@ -2904,7 +2909,7 @@
           <a:p>
             <a:fld id="{97A88DCE-42CB-42D0-B85D-3FC4EA64DBAC}" type="datetimeFigureOut">
               <a:rPr lang="zh-CN" altLang="en-US" smtClean="0"/>
-              <a:t>2023/3/13</a:t>
+              <a:t>2023/4/5</a:t>
             </a:fld>
             <a:endParaRPr lang="zh-CN" altLang="en-US"/>
           </a:p>
@@ -3321,6 +3326,69 @@
           <a:chExt cx="0" cy="0"/>
         </a:xfrm>
       </p:grpSpPr>
+      <p:sp>
+        <p:nvSpPr>
+          <p:cNvPr id="34" name="立方体 33">
+            <a:extLst>
+              <a:ext uri="{FF2B5EF4-FFF2-40B4-BE49-F238E27FC236}">
+                <a16:creationId xmlns:a16="http://schemas.microsoft.com/office/drawing/2014/main" id="{73665B41-84AF-4AED-9365-6B833DA5E55D}"/>
+              </a:ext>
+            </a:extLst>
+          </p:cNvPr>
+          <p:cNvSpPr>
+            <a:spLocks noChangeAspect="1"/>
+          </p:cNvSpPr>
+          <p:nvPr/>
+        </p:nvSpPr>
+        <p:spPr>
+          <a:xfrm>
+            <a:off x="8208820" y="2018437"/>
+            <a:ext cx="490975" cy="864587"/>
+          </a:xfrm>
+          <a:prstGeom prst="cube">
+            <a:avLst>
+              <a:gd name="adj" fmla="val 53226"/>
+            </a:avLst>
+          </a:prstGeom>
+          <a:solidFill>
+            <a:schemeClr val="accent5">
+              <a:lumMod val="60000"/>
+              <a:lumOff val="40000"/>
+              <a:alpha val="80000"/>
+            </a:schemeClr>
+          </a:solidFill>
+          <a:scene3d>
+            <a:camera prst="orthographicFront">
+              <a:rot lat="0" lon="0" rev="0"/>
+            </a:camera>
+            <a:lightRig rig="threePt" dir="t"/>
+          </a:scene3d>
+        </p:spPr>
+        <p:style>
+          <a:lnRef idx="2">
+            <a:schemeClr val="accent1">
+              <a:shade val="50000"/>
+            </a:schemeClr>
+          </a:lnRef>
+          <a:fillRef idx="1">
+            <a:schemeClr val="accent1"/>
+          </a:fillRef>
+          <a:effectRef idx="0">
+            <a:schemeClr val="accent1"/>
+          </a:effectRef>
+          <a:fontRef idx="minor">
+            <a:schemeClr val="lt1"/>
+          </a:fontRef>
+        </p:style>
+        <p:txBody>
+          <a:bodyPr rtlCol="0" anchor="ctr"/>
+          <a:lstStyle/>
+          <a:p>
+            <a:pPr algn="ctr"/>
+            <a:endParaRPr lang="zh-CN" altLang="en-US" dirty="0"/>
+          </a:p>
+        </p:txBody>
+      </p:sp>
       <p:pic>
         <p:nvPicPr>
           <p:cNvPr id="4" name="图片 3">
@@ -3349,7 +3417,7 @@
         </p:blipFill>
         <p:spPr>
           <a:xfrm>
-            <a:off x="180199" y="934522"/>
+            <a:off x="-378101" y="340812"/>
             <a:ext cx="1755651" cy="1755651"/>
           </a:xfrm>
           <a:prstGeom prst="rect">
@@ -3411,7 +3479,7 @@
         </p:blipFill>
         <p:spPr>
           <a:xfrm>
-            <a:off x="176398" y="3749924"/>
+            <a:off x="-378101" y="3156214"/>
             <a:ext cx="1755651" cy="1755651"/>
           </a:xfrm>
           <a:prstGeom prst="rect">
@@ -3460,9 +3528,9 @@
           <p:nvPr/>
         </p:nvCxnSpPr>
         <p:spPr>
-          <a:xfrm flipV="1">
-            <a:off x="959114" y="1937168"/>
-            <a:ext cx="478225" cy="6153"/>
+          <a:xfrm>
+            <a:off x="537313" y="1210496"/>
+            <a:ext cx="612000" cy="0"/>
           </a:xfrm>
           <a:prstGeom prst="straightConnector1">
             <a:avLst/>
@@ -3504,9 +3572,9 @@
           <p:nvPr/>
         </p:nvCxnSpPr>
         <p:spPr>
-          <a:xfrm flipV="1">
-            <a:off x="1060640" y="4695238"/>
-            <a:ext cx="322819" cy="1"/>
+          <a:xfrm>
+            <a:off x="552550" y="3944301"/>
+            <a:ext cx="612000" cy="0"/>
           </a:xfrm>
           <a:prstGeom prst="straightConnector1">
             <a:avLst/>
@@ -3533,50 +3601,6 @@
           </a:fontRef>
         </p:style>
       </p:cxnSp>
-      <p:cxnSp>
-        <p:nvCxnSpPr>
-          <p:cNvPr id="46" name="直接箭头连接符 45">
-            <a:extLst>
-              <a:ext uri="{FF2B5EF4-FFF2-40B4-BE49-F238E27FC236}">
-                <a16:creationId xmlns:a16="http://schemas.microsoft.com/office/drawing/2014/main" id="{3E8EA742-3D46-4578-ADB3-3E27F0A8928B}"/>
-              </a:ext>
-            </a:extLst>
-          </p:cNvPr>
-          <p:cNvCxnSpPr>
-            <a:cxnSpLocks/>
-          </p:cNvCxnSpPr>
-          <p:nvPr/>
-        </p:nvCxnSpPr>
-        <p:spPr>
-          <a:xfrm>
-            <a:off x="1917543" y="1757535"/>
-            <a:ext cx="16251" cy="1206879"/>
-          </a:xfrm>
-          <a:prstGeom prst="straightConnector1">
-            <a:avLst/>
-          </a:prstGeom>
-          <a:ln w="12700">
-            <a:solidFill>
-              <a:schemeClr val="tx1"/>
-            </a:solidFill>
-            <a:tailEnd type="triangle"/>
-          </a:ln>
-        </p:spPr>
-        <p:style>
-          <a:lnRef idx="1">
-            <a:schemeClr val="accent1"/>
-          </a:lnRef>
-          <a:fillRef idx="0">
-            <a:schemeClr val="accent1"/>
-          </a:fillRef>
-          <a:effectRef idx="0">
-            <a:schemeClr val="accent1"/>
-          </a:effectRef>
-          <a:fontRef idx="minor">
-            <a:schemeClr val="tx1"/>
-          </a:fontRef>
-        </p:style>
-      </p:cxnSp>
       <p:sp>
         <p:nvSpPr>
           <p:cNvPr id="52" name="立方体 51">
@@ -3591,7 +3615,7 @@
         </p:nvSpPr>
         <p:spPr>
           <a:xfrm>
-            <a:off x="1228342" y="3410753"/>
+            <a:off x="993631" y="2845872"/>
             <a:ext cx="607228" cy="2250521"/>
           </a:xfrm>
           <a:prstGeom prst="cube">
@@ -3657,8 +3681,8 @@
         </p:nvCxnSpPr>
         <p:spPr>
           <a:xfrm flipV="1">
-            <a:off x="1572077" y="4568347"/>
-            <a:ext cx="392440" cy="2"/>
+            <a:off x="1377550" y="3944301"/>
+            <a:ext cx="539297" cy="6599"/>
           </a:xfrm>
           <a:prstGeom prst="line">
             <a:avLst/>
@@ -3700,7 +3724,7 @@
         </p:nvCxnSpPr>
         <p:spPr>
           <a:xfrm flipH="1" flipV="1">
-            <a:off x="1937275" y="3178467"/>
+            <a:off x="1889605" y="2554421"/>
             <a:ext cx="27242" cy="1389880"/>
           </a:xfrm>
           <a:prstGeom prst="straightConnector1">
@@ -3742,7 +3766,7 @@
         </p:nvSpPr>
         <p:spPr>
           <a:xfrm>
-            <a:off x="1849700" y="2998031"/>
+            <a:off x="1802030" y="2373985"/>
             <a:ext cx="181064" cy="180000"/>
           </a:xfrm>
           <a:prstGeom prst="flowChartOr">
@@ -3798,7 +3822,7 @@
         </p:nvCxnSpPr>
         <p:spPr>
           <a:xfrm>
-            <a:off x="2030764" y="3096358"/>
+            <a:off x="1983094" y="2472312"/>
             <a:ext cx="397489" cy="0"/>
           </a:xfrm>
           <a:prstGeom prst="straightConnector1">
@@ -3826,820 +3850,6 @@
           </a:fontRef>
         </p:style>
       </p:cxnSp>
-      <p:cxnSp>
-        <p:nvCxnSpPr>
-          <p:cNvPr id="26" name="直接箭头连接符 25">
-            <a:extLst>
-              <a:ext uri="{FF2B5EF4-FFF2-40B4-BE49-F238E27FC236}">
-                <a16:creationId xmlns:a16="http://schemas.microsoft.com/office/drawing/2014/main" id="{2486A502-CCBA-8037-E010-560CC6AECDD1}"/>
-              </a:ext>
-            </a:extLst>
-          </p:cNvPr>
-          <p:cNvCxnSpPr>
-            <a:cxnSpLocks/>
-          </p:cNvCxnSpPr>
-          <p:nvPr/>
-        </p:nvCxnSpPr>
-        <p:spPr>
-          <a:xfrm>
-            <a:off x="8671355" y="3128381"/>
-            <a:ext cx="272814" cy="0"/>
-          </a:xfrm>
-          <a:prstGeom prst="straightConnector1">
-            <a:avLst/>
-          </a:prstGeom>
-          <a:ln w="12700">
-            <a:solidFill>
-              <a:schemeClr val="tx1"/>
-            </a:solidFill>
-            <a:tailEnd type="triangle"/>
-          </a:ln>
-        </p:spPr>
-        <p:style>
-          <a:lnRef idx="1">
-            <a:schemeClr val="accent1"/>
-          </a:lnRef>
-          <a:fillRef idx="0">
-            <a:schemeClr val="accent1"/>
-          </a:fillRef>
-          <a:effectRef idx="0">
-            <a:schemeClr val="accent1"/>
-          </a:effectRef>
-          <a:fontRef idx="minor">
-            <a:schemeClr val="tx1"/>
-          </a:fontRef>
-        </p:style>
-      </p:cxnSp>
-      <p:cxnSp>
-        <p:nvCxnSpPr>
-          <p:cNvPr id="44" name="直接连接符 43">
-            <a:extLst>
-              <a:ext uri="{FF2B5EF4-FFF2-40B4-BE49-F238E27FC236}">
-                <a16:creationId xmlns:a16="http://schemas.microsoft.com/office/drawing/2014/main" id="{91375595-F89E-8603-B1C2-4E545852CA72}"/>
-              </a:ext>
-            </a:extLst>
-          </p:cNvPr>
-          <p:cNvCxnSpPr/>
-          <p:nvPr/>
-        </p:nvCxnSpPr>
-        <p:spPr>
-          <a:xfrm flipV="1">
-            <a:off x="3987914" y="2385648"/>
-            <a:ext cx="0" cy="724301"/>
-          </a:xfrm>
-          <a:prstGeom prst="line">
-            <a:avLst/>
-          </a:prstGeom>
-          <a:ln w="12700">
-            <a:solidFill>
-              <a:schemeClr val="tx1"/>
-            </a:solidFill>
-          </a:ln>
-        </p:spPr>
-        <p:style>
-          <a:lnRef idx="1">
-            <a:schemeClr val="accent1"/>
-          </a:lnRef>
-          <a:fillRef idx="0">
-            <a:schemeClr val="accent1"/>
-          </a:fillRef>
-          <a:effectRef idx="0">
-            <a:schemeClr val="accent1"/>
-          </a:effectRef>
-          <a:fontRef idx="minor">
-            <a:schemeClr val="tx1"/>
-          </a:fontRef>
-        </p:style>
-      </p:cxnSp>
-      <p:cxnSp>
-        <p:nvCxnSpPr>
-          <p:cNvPr id="45" name="直接连接符 44">
-            <a:extLst>
-              <a:ext uri="{FF2B5EF4-FFF2-40B4-BE49-F238E27FC236}">
-                <a16:creationId xmlns:a16="http://schemas.microsoft.com/office/drawing/2014/main" id="{496B6F20-6400-5D83-3ABE-503100526CB8}"/>
-              </a:ext>
-            </a:extLst>
-          </p:cNvPr>
-          <p:cNvCxnSpPr>
-            <a:cxnSpLocks/>
-          </p:cNvCxnSpPr>
-          <p:nvPr/>
-        </p:nvCxnSpPr>
-        <p:spPr>
-          <a:xfrm flipV="1">
-            <a:off x="3990760" y="2374662"/>
-            <a:ext cx="691928" cy="8370"/>
-          </a:xfrm>
-          <a:prstGeom prst="line">
-            <a:avLst/>
-          </a:prstGeom>
-          <a:ln w="12700">
-            <a:solidFill>
-              <a:schemeClr val="tx1"/>
-            </a:solidFill>
-          </a:ln>
-        </p:spPr>
-        <p:style>
-          <a:lnRef idx="1">
-            <a:schemeClr val="accent1"/>
-          </a:lnRef>
-          <a:fillRef idx="0">
-            <a:schemeClr val="accent1"/>
-          </a:fillRef>
-          <a:effectRef idx="0">
-            <a:schemeClr val="accent1"/>
-          </a:effectRef>
-          <a:fontRef idx="minor">
-            <a:schemeClr val="tx1"/>
-          </a:fontRef>
-        </p:style>
-      </p:cxnSp>
-      <p:cxnSp>
-        <p:nvCxnSpPr>
-          <p:cNvPr id="48" name="直接箭头连接符 47">
-            <a:extLst>
-              <a:ext uri="{FF2B5EF4-FFF2-40B4-BE49-F238E27FC236}">
-                <a16:creationId xmlns:a16="http://schemas.microsoft.com/office/drawing/2014/main" id="{D444382A-640F-3249-2F37-ED914E2FD827}"/>
-              </a:ext>
-            </a:extLst>
-          </p:cNvPr>
-          <p:cNvCxnSpPr>
-            <a:cxnSpLocks/>
-          </p:cNvCxnSpPr>
-          <p:nvPr/>
-        </p:nvCxnSpPr>
-        <p:spPr>
-          <a:xfrm>
-            <a:off x="4691688" y="2394256"/>
-            <a:ext cx="5890" cy="760570"/>
-          </a:xfrm>
-          <a:prstGeom prst="straightConnector1">
-            <a:avLst/>
-          </a:prstGeom>
-          <a:ln w="12700">
-            <a:solidFill>
-              <a:schemeClr val="tx1"/>
-            </a:solidFill>
-            <a:tailEnd type="triangle"/>
-          </a:ln>
-        </p:spPr>
-        <p:style>
-          <a:lnRef idx="1">
-            <a:schemeClr val="accent1"/>
-          </a:lnRef>
-          <a:fillRef idx="0">
-            <a:schemeClr val="accent1"/>
-          </a:fillRef>
-          <a:effectRef idx="0">
-            <a:schemeClr val="accent1"/>
-          </a:effectRef>
-          <a:fontRef idx="minor">
-            <a:schemeClr val="tx1"/>
-          </a:fontRef>
-        </p:style>
-      </p:cxnSp>
-      <p:cxnSp>
-        <p:nvCxnSpPr>
-          <p:cNvPr id="50" name="直接连接符 49">
-            <a:extLst>
-              <a:ext uri="{FF2B5EF4-FFF2-40B4-BE49-F238E27FC236}">
-                <a16:creationId xmlns:a16="http://schemas.microsoft.com/office/drawing/2014/main" id="{EA776DCD-E049-925E-BA57-54A00D126989}"/>
-              </a:ext>
-            </a:extLst>
-          </p:cNvPr>
-          <p:cNvCxnSpPr/>
-          <p:nvPr/>
-        </p:nvCxnSpPr>
-        <p:spPr>
-          <a:xfrm flipV="1">
-            <a:off x="4819788" y="2412390"/>
-            <a:ext cx="0" cy="724301"/>
-          </a:xfrm>
-          <a:prstGeom prst="line">
-            <a:avLst/>
-          </a:prstGeom>
-          <a:ln w="12700">
-            <a:solidFill>
-              <a:schemeClr val="tx1"/>
-            </a:solidFill>
-          </a:ln>
-        </p:spPr>
-        <p:style>
-          <a:lnRef idx="1">
-            <a:schemeClr val="accent1"/>
-          </a:lnRef>
-          <a:fillRef idx="0">
-            <a:schemeClr val="accent1"/>
-          </a:fillRef>
-          <a:effectRef idx="0">
-            <a:schemeClr val="accent1"/>
-          </a:effectRef>
-          <a:fontRef idx="minor">
-            <a:schemeClr val="tx1"/>
-          </a:fontRef>
-        </p:style>
-      </p:cxnSp>
-      <p:cxnSp>
-        <p:nvCxnSpPr>
-          <p:cNvPr id="51" name="直接连接符 50">
-            <a:extLst>
-              <a:ext uri="{FF2B5EF4-FFF2-40B4-BE49-F238E27FC236}">
-                <a16:creationId xmlns:a16="http://schemas.microsoft.com/office/drawing/2014/main" id="{88EA24F6-F5E9-1E0A-7864-E25DAF4FCED1}"/>
-              </a:ext>
-            </a:extLst>
-          </p:cNvPr>
-          <p:cNvCxnSpPr>
-            <a:cxnSpLocks/>
-          </p:cNvCxnSpPr>
-          <p:nvPr/>
-        </p:nvCxnSpPr>
-        <p:spPr>
-          <a:xfrm flipV="1">
-            <a:off x="4819788" y="2382461"/>
-            <a:ext cx="760297" cy="571"/>
-          </a:xfrm>
-          <a:prstGeom prst="line">
-            <a:avLst/>
-          </a:prstGeom>
-          <a:ln w="12700">
-            <a:solidFill>
-              <a:schemeClr val="tx1"/>
-            </a:solidFill>
-          </a:ln>
-        </p:spPr>
-        <p:style>
-          <a:lnRef idx="1">
-            <a:schemeClr val="accent1"/>
-          </a:lnRef>
-          <a:fillRef idx="0">
-            <a:schemeClr val="accent1"/>
-          </a:fillRef>
-          <a:effectRef idx="0">
-            <a:schemeClr val="accent1"/>
-          </a:effectRef>
-          <a:fontRef idx="minor">
-            <a:schemeClr val="tx1"/>
-          </a:fontRef>
-        </p:style>
-      </p:cxnSp>
-      <p:cxnSp>
-        <p:nvCxnSpPr>
-          <p:cNvPr id="55" name="直接箭头连接符 54">
-            <a:extLst>
-              <a:ext uri="{FF2B5EF4-FFF2-40B4-BE49-F238E27FC236}">
-                <a16:creationId xmlns:a16="http://schemas.microsoft.com/office/drawing/2014/main" id="{D57781B3-D22A-2211-9A0C-83E5A8831B14}"/>
-              </a:ext>
-            </a:extLst>
-          </p:cNvPr>
-          <p:cNvCxnSpPr>
-            <a:cxnSpLocks/>
-          </p:cNvCxnSpPr>
-          <p:nvPr/>
-        </p:nvCxnSpPr>
-        <p:spPr>
-          <a:xfrm>
-            <a:off x="5551223" y="2376568"/>
-            <a:ext cx="17424" cy="748328"/>
-          </a:xfrm>
-          <a:prstGeom prst="straightConnector1">
-            <a:avLst/>
-          </a:prstGeom>
-          <a:ln w="12700">
-            <a:solidFill>
-              <a:schemeClr val="tx1"/>
-            </a:solidFill>
-            <a:tailEnd type="triangle"/>
-          </a:ln>
-        </p:spPr>
-        <p:style>
-          <a:lnRef idx="1">
-            <a:schemeClr val="accent1"/>
-          </a:lnRef>
-          <a:fillRef idx="0">
-            <a:schemeClr val="accent1"/>
-          </a:fillRef>
-          <a:effectRef idx="0">
-            <a:schemeClr val="accent1"/>
-          </a:effectRef>
-          <a:fontRef idx="minor">
-            <a:schemeClr val="tx1"/>
-          </a:fontRef>
-        </p:style>
-      </p:cxnSp>
-      <p:cxnSp>
-        <p:nvCxnSpPr>
-          <p:cNvPr id="56" name="直接连接符 55">
-            <a:extLst>
-              <a:ext uri="{FF2B5EF4-FFF2-40B4-BE49-F238E27FC236}">
-                <a16:creationId xmlns:a16="http://schemas.microsoft.com/office/drawing/2014/main" id="{7DA6D6D0-A077-994A-F584-554AE9D82233}"/>
-              </a:ext>
-            </a:extLst>
-          </p:cNvPr>
-          <p:cNvCxnSpPr/>
-          <p:nvPr/>
-        </p:nvCxnSpPr>
-        <p:spPr>
-          <a:xfrm flipV="1">
-            <a:off x="5677860" y="2385648"/>
-            <a:ext cx="0" cy="724301"/>
-          </a:xfrm>
-          <a:prstGeom prst="line">
-            <a:avLst/>
-          </a:prstGeom>
-          <a:ln w="12700">
-            <a:solidFill>
-              <a:schemeClr val="tx1"/>
-            </a:solidFill>
-          </a:ln>
-        </p:spPr>
-        <p:style>
-          <a:lnRef idx="1">
-            <a:schemeClr val="accent1"/>
-          </a:lnRef>
-          <a:fillRef idx="0">
-            <a:schemeClr val="accent1"/>
-          </a:fillRef>
-          <a:effectRef idx="0">
-            <a:schemeClr val="accent1"/>
-          </a:effectRef>
-          <a:fontRef idx="minor">
-            <a:schemeClr val="tx1"/>
-          </a:fontRef>
-        </p:style>
-      </p:cxnSp>
-      <p:cxnSp>
-        <p:nvCxnSpPr>
-          <p:cNvPr id="57" name="直接连接符 56">
-            <a:extLst>
-              <a:ext uri="{FF2B5EF4-FFF2-40B4-BE49-F238E27FC236}">
-                <a16:creationId xmlns:a16="http://schemas.microsoft.com/office/drawing/2014/main" id="{A7B227CB-0BB4-5A35-9393-FDCDC1EBB743}"/>
-              </a:ext>
-            </a:extLst>
-          </p:cNvPr>
-          <p:cNvCxnSpPr>
-            <a:cxnSpLocks/>
-          </p:cNvCxnSpPr>
-          <p:nvPr/>
-        </p:nvCxnSpPr>
-        <p:spPr>
-          <a:xfrm flipV="1">
-            <a:off x="5675084" y="2376949"/>
-            <a:ext cx="760297" cy="571"/>
-          </a:xfrm>
-          <a:prstGeom prst="line">
-            <a:avLst/>
-          </a:prstGeom>
-          <a:ln w="12700">
-            <a:solidFill>
-              <a:schemeClr val="tx1"/>
-            </a:solidFill>
-          </a:ln>
-        </p:spPr>
-        <p:style>
-          <a:lnRef idx="1">
-            <a:schemeClr val="accent1"/>
-          </a:lnRef>
-          <a:fillRef idx="0">
-            <a:schemeClr val="accent1"/>
-          </a:fillRef>
-          <a:effectRef idx="0">
-            <a:schemeClr val="accent1"/>
-          </a:effectRef>
-          <a:fontRef idx="minor">
-            <a:schemeClr val="tx1"/>
-          </a:fontRef>
-        </p:style>
-      </p:cxnSp>
-      <p:cxnSp>
-        <p:nvCxnSpPr>
-          <p:cNvPr id="58" name="直接箭头连接符 57">
-            <a:extLst>
-              <a:ext uri="{FF2B5EF4-FFF2-40B4-BE49-F238E27FC236}">
-                <a16:creationId xmlns:a16="http://schemas.microsoft.com/office/drawing/2014/main" id="{824C1E43-5D8A-BAC1-FB80-5DBD2B6588BA}"/>
-              </a:ext>
-            </a:extLst>
-          </p:cNvPr>
-          <p:cNvCxnSpPr>
-            <a:cxnSpLocks/>
-          </p:cNvCxnSpPr>
-          <p:nvPr/>
-        </p:nvCxnSpPr>
-        <p:spPr>
-          <a:xfrm flipH="1">
-            <a:off x="6411565" y="2376568"/>
-            <a:ext cx="9030" cy="758209"/>
-          </a:xfrm>
-          <a:prstGeom prst="straightConnector1">
-            <a:avLst/>
-          </a:prstGeom>
-          <a:ln w="12700">
-            <a:solidFill>
-              <a:schemeClr val="tx1"/>
-            </a:solidFill>
-            <a:tailEnd type="triangle"/>
-          </a:ln>
-        </p:spPr>
-        <p:style>
-          <a:lnRef idx="1">
-            <a:schemeClr val="accent1"/>
-          </a:lnRef>
-          <a:fillRef idx="0">
-            <a:schemeClr val="accent1"/>
-          </a:fillRef>
-          <a:effectRef idx="0">
-            <a:schemeClr val="accent1"/>
-          </a:effectRef>
-          <a:fontRef idx="minor">
-            <a:schemeClr val="tx1"/>
-          </a:fontRef>
-        </p:style>
-      </p:cxnSp>
-      <p:cxnSp>
-        <p:nvCxnSpPr>
-          <p:cNvPr id="59" name="直接连接符 58">
-            <a:extLst>
-              <a:ext uri="{FF2B5EF4-FFF2-40B4-BE49-F238E27FC236}">
-                <a16:creationId xmlns:a16="http://schemas.microsoft.com/office/drawing/2014/main" id="{2EB4C93F-14FF-A428-65F3-D443B1D56E0C}"/>
-              </a:ext>
-            </a:extLst>
-          </p:cNvPr>
-          <p:cNvCxnSpPr/>
-          <p:nvPr/>
-        </p:nvCxnSpPr>
-        <p:spPr>
-          <a:xfrm flipV="1">
-            <a:off x="6506868" y="2394256"/>
-            <a:ext cx="0" cy="724301"/>
-          </a:xfrm>
-          <a:prstGeom prst="line">
-            <a:avLst/>
-          </a:prstGeom>
-          <a:ln w="12700">
-            <a:solidFill>
-              <a:schemeClr val="tx1"/>
-            </a:solidFill>
-          </a:ln>
-        </p:spPr>
-        <p:style>
-          <a:lnRef idx="1">
-            <a:schemeClr val="accent1"/>
-          </a:lnRef>
-          <a:fillRef idx="0">
-            <a:schemeClr val="accent1"/>
-          </a:fillRef>
-          <a:effectRef idx="0">
-            <a:schemeClr val="accent1"/>
-          </a:effectRef>
-          <a:fontRef idx="minor">
-            <a:schemeClr val="tx1"/>
-          </a:fontRef>
-        </p:style>
-      </p:cxnSp>
-      <p:cxnSp>
-        <p:nvCxnSpPr>
-          <p:cNvPr id="60" name="直接连接符 59">
-            <a:extLst>
-              <a:ext uri="{FF2B5EF4-FFF2-40B4-BE49-F238E27FC236}">
-                <a16:creationId xmlns:a16="http://schemas.microsoft.com/office/drawing/2014/main" id="{141AF81D-B4E7-FD96-6FCA-F4506B06BB6C}"/>
-              </a:ext>
-            </a:extLst>
-          </p:cNvPr>
-          <p:cNvCxnSpPr>
-            <a:cxnSpLocks/>
-          </p:cNvCxnSpPr>
-          <p:nvPr/>
-        </p:nvCxnSpPr>
-        <p:spPr>
-          <a:xfrm flipV="1">
-            <a:off x="6496601" y="2386281"/>
-            <a:ext cx="760297" cy="571"/>
-          </a:xfrm>
-          <a:prstGeom prst="line">
-            <a:avLst/>
-          </a:prstGeom>
-          <a:ln w="12700">
-            <a:solidFill>
-              <a:schemeClr val="tx1"/>
-            </a:solidFill>
-          </a:ln>
-        </p:spPr>
-        <p:style>
-          <a:lnRef idx="1">
-            <a:schemeClr val="accent1"/>
-          </a:lnRef>
-          <a:fillRef idx="0">
-            <a:schemeClr val="accent1"/>
-          </a:fillRef>
-          <a:effectRef idx="0">
-            <a:schemeClr val="accent1"/>
-          </a:effectRef>
-          <a:fontRef idx="minor">
-            <a:schemeClr val="tx1"/>
-          </a:fontRef>
-        </p:style>
-      </p:cxnSp>
-      <p:cxnSp>
-        <p:nvCxnSpPr>
-          <p:cNvPr id="61" name="直接箭头连接符 60">
-            <a:extLst>
-              <a:ext uri="{FF2B5EF4-FFF2-40B4-BE49-F238E27FC236}">
-                <a16:creationId xmlns:a16="http://schemas.microsoft.com/office/drawing/2014/main" id="{5F66E809-BBD4-124F-26E9-9B5087440BE0}"/>
-              </a:ext>
-            </a:extLst>
-          </p:cNvPr>
-          <p:cNvCxnSpPr>
-            <a:cxnSpLocks/>
-          </p:cNvCxnSpPr>
-          <p:nvPr/>
-        </p:nvCxnSpPr>
-        <p:spPr>
-          <a:xfrm>
-            <a:off x="7260947" y="2394256"/>
-            <a:ext cx="0" cy="782888"/>
-          </a:xfrm>
-          <a:prstGeom prst="straightConnector1">
-            <a:avLst/>
-          </a:prstGeom>
-          <a:ln w="12700">
-            <a:solidFill>
-              <a:schemeClr val="tx1"/>
-            </a:solidFill>
-            <a:tailEnd type="triangle"/>
-          </a:ln>
-        </p:spPr>
-        <p:style>
-          <a:lnRef idx="1">
-            <a:schemeClr val="accent1"/>
-          </a:lnRef>
-          <a:fillRef idx="0">
-            <a:schemeClr val="accent1"/>
-          </a:fillRef>
-          <a:effectRef idx="0">
-            <a:schemeClr val="accent1"/>
-          </a:effectRef>
-          <a:fontRef idx="minor">
-            <a:schemeClr val="tx1"/>
-          </a:fontRef>
-        </p:style>
-      </p:cxnSp>
-      <p:cxnSp>
-        <p:nvCxnSpPr>
-          <p:cNvPr id="63" name="直接连接符 62">
-            <a:extLst>
-              <a:ext uri="{FF2B5EF4-FFF2-40B4-BE49-F238E27FC236}">
-                <a16:creationId xmlns:a16="http://schemas.microsoft.com/office/drawing/2014/main" id="{7FB54C63-46A2-53CE-D7E5-12821735C1B5}"/>
-              </a:ext>
-            </a:extLst>
-          </p:cNvPr>
-          <p:cNvCxnSpPr>
-            <a:cxnSpLocks/>
-          </p:cNvCxnSpPr>
-          <p:nvPr/>
-        </p:nvCxnSpPr>
-        <p:spPr>
-          <a:xfrm flipV="1">
-            <a:off x="7364203" y="2394256"/>
-            <a:ext cx="0" cy="770875"/>
-          </a:xfrm>
-          <a:prstGeom prst="line">
-            <a:avLst/>
-          </a:prstGeom>
-          <a:ln w="12700">
-            <a:solidFill>
-              <a:schemeClr val="tx1"/>
-            </a:solidFill>
-          </a:ln>
-        </p:spPr>
-        <p:style>
-          <a:lnRef idx="1">
-            <a:schemeClr val="accent1"/>
-          </a:lnRef>
-          <a:fillRef idx="0">
-            <a:schemeClr val="accent1"/>
-          </a:fillRef>
-          <a:effectRef idx="0">
-            <a:schemeClr val="accent1"/>
-          </a:effectRef>
-          <a:fontRef idx="minor">
-            <a:schemeClr val="tx1"/>
-          </a:fontRef>
-        </p:style>
-      </p:cxnSp>
-      <p:cxnSp>
-        <p:nvCxnSpPr>
-          <p:cNvPr id="64" name="直接连接符 63">
-            <a:extLst>
-              <a:ext uri="{FF2B5EF4-FFF2-40B4-BE49-F238E27FC236}">
-                <a16:creationId xmlns:a16="http://schemas.microsoft.com/office/drawing/2014/main" id="{A3DBCDB3-9555-591B-F1F6-A4967C7E75CC}"/>
-              </a:ext>
-            </a:extLst>
-          </p:cNvPr>
-          <p:cNvCxnSpPr>
-            <a:cxnSpLocks/>
-          </p:cNvCxnSpPr>
-          <p:nvPr/>
-        </p:nvCxnSpPr>
-        <p:spPr>
-          <a:xfrm flipV="1">
-            <a:off x="7361644" y="2385648"/>
-            <a:ext cx="693762" cy="9179"/>
-          </a:xfrm>
-          <a:prstGeom prst="line">
-            <a:avLst/>
-          </a:prstGeom>
-          <a:ln w="12700">
-            <a:solidFill>
-              <a:schemeClr val="tx1"/>
-            </a:solidFill>
-          </a:ln>
-        </p:spPr>
-        <p:style>
-          <a:lnRef idx="1">
-            <a:schemeClr val="accent1"/>
-          </a:lnRef>
-          <a:fillRef idx="0">
-            <a:schemeClr val="accent1"/>
-          </a:fillRef>
-          <a:effectRef idx="0">
-            <a:schemeClr val="accent1"/>
-          </a:effectRef>
-          <a:fontRef idx="minor">
-            <a:schemeClr val="tx1"/>
-          </a:fontRef>
-        </p:style>
-      </p:cxnSp>
-      <p:cxnSp>
-        <p:nvCxnSpPr>
-          <p:cNvPr id="66" name="直接箭头连接符 65">
-            <a:extLst>
-              <a:ext uri="{FF2B5EF4-FFF2-40B4-BE49-F238E27FC236}">
-                <a16:creationId xmlns:a16="http://schemas.microsoft.com/office/drawing/2014/main" id="{CAC44273-9596-9D3A-9287-4812016FB265}"/>
-              </a:ext>
-            </a:extLst>
-          </p:cNvPr>
-          <p:cNvCxnSpPr>
-            <a:cxnSpLocks/>
-          </p:cNvCxnSpPr>
-          <p:nvPr/>
-        </p:nvCxnSpPr>
-        <p:spPr>
-          <a:xfrm>
-            <a:off x="8109190" y="2374662"/>
-            <a:ext cx="6533" cy="748600"/>
-          </a:xfrm>
-          <a:prstGeom prst="straightConnector1">
-            <a:avLst/>
-          </a:prstGeom>
-          <a:ln w="12700">
-            <a:solidFill>
-              <a:schemeClr val="tx1"/>
-            </a:solidFill>
-            <a:tailEnd type="triangle"/>
-          </a:ln>
-        </p:spPr>
-        <p:style>
-          <a:lnRef idx="1">
-            <a:schemeClr val="accent1"/>
-          </a:lnRef>
-          <a:fillRef idx="0">
-            <a:schemeClr val="accent1"/>
-          </a:fillRef>
-          <a:effectRef idx="0">
-            <a:schemeClr val="accent1"/>
-          </a:effectRef>
-          <a:fontRef idx="minor">
-            <a:schemeClr val="tx1"/>
-          </a:fontRef>
-        </p:style>
-      </p:cxnSp>
-      <p:cxnSp>
-        <p:nvCxnSpPr>
-          <p:cNvPr id="67" name="直接连接符 66">
-            <a:extLst>
-              <a:ext uri="{FF2B5EF4-FFF2-40B4-BE49-F238E27FC236}">
-                <a16:creationId xmlns:a16="http://schemas.microsoft.com/office/drawing/2014/main" id="{180D7281-BD52-0FC3-0C38-40BF924931A9}"/>
-              </a:ext>
-            </a:extLst>
-          </p:cNvPr>
-          <p:cNvCxnSpPr/>
-          <p:nvPr/>
-        </p:nvCxnSpPr>
-        <p:spPr>
-          <a:xfrm flipV="1">
-            <a:off x="8042470" y="2394256"/>
-            <a:ext cx="0" cy="724301"/>
-          </a:xfrm>
-          <a:prstGeom prst="line">
-            <a:avLst/>
-          </a:prstGeom>
-          <a:ln w="12700">
-            <a:solidFill>
-              <a:schemeClr val="tx1"/>
-            </a:solidFill>
-          </a:ln>
-        </p:spPr>
-        <p:style>
-          <a:lnRef idx="1">
-            <a:schemeClr val="accent1"/>
-          </a:lnRef>
-          <a:fillRef idx="0">
-            <a:schemeClr val="accent1"/>
-          </a:fillRef>
-          <a:effectRef idx="0">
-            <a:schemeClr val="accent1"/>
-          </a:effectRef>
-          <a:fontRef idx="minor">
-            <a:schemeClr val="tx1"/>
-          </a:fontRef>
-        </p:style>
-      </p:cxnSp>
-      <p:cxnSp>
-        <p:nvCxnSpPr>
-          <p:cNvPr id="68" name="直接连接符 67">
-            <a:extLst>
-              <a:ext uri="{FF2B5EF4-FFF2-40B4-BE49-F238E27FC236}">
-                <a16:creationId xmlns:a16="http://schemas.microsoft.com/office/drawing/2014/main" id="{0C9C71DB-C891-D27A-3212-18654E63F661}"/>
-              </a:ext>
-            </a:extLst>
-          </p:cNvPr>
-          <p:cNvCxnSpPr>
-            <a:cxnSpLocks/>
-          </p:cNvCxnSpPr>
-          <p:nvPr/>
-        </p:nvCxnSpPr>
-        <p:spPr>
-          <a:xfrm flipV="1">
-            <a:off x="8109190" y="2370790"/>
-            <a:ext cx="760297" cy="571"/>
-          </a:xfrm>
-          <a:prstGeom prst="line">
-            <a:avLst/>
-          </a:prstGeom>
-          <a:ln w="12700">
-            <a:solidFill>
-              <a:schemeClr val="tx1"/>
-            </a:solidFill>
-          </a:ln>
-        </p:spPr>
-        <p:style>
-          <a:lnRef idx="1">
-            <a:schemeClr val="accent1"/>
-          </a:lnRef>
-          <a:fillRef idx="0">
-            <a:schemeClr val="accent1"/>
-          </a:fillRef>
-          <a:effectRef idx="0">
-            <a:schemeClr val="accent1"/>
-          </a:effectRef>
-          <a:fontRef idx="minor">
-            <a:schemeClr val="tx1"/>
-          </a:fontRef>
-        </p:style>
-      </p:cxnSp>
-      <p:cxnSp>
-        <p:nvCxnSpPr>
-          <p:cNvPr id="70" name="直接箭头连接符 69">
-            <a:extLst>
-              <a:ext uri="{FF2B5EF4-FFF2-40B4-BE49-F238E27FC236}">
-                <a16:creationId xmlns:a16="http://schemas.microsoft.com/office/drawing/2014/main" id="{C4A664DB-6DC6-CF14-BB9F-461F3223411E}"/>
-              </a:ext>
-            </a:extLst>
-          </p:cNvPr>
-          <p:cNvCxnSpPr>
-            <a:cxnSpLocks/>
-          </p:cNvCxnSpPr>
-          <p:nvPr/>
-        </p:nvCxnSpPr>
-        <p:spPr>
-          <a:xfrm>
-            <a:off x="8823129" y="2367489"/>
-            <a:ext cx="12110" cy="778743"/>
-          </a:xfrm>
-          <a:prstGeom prst="straightConnector1">
-            <a:avLst/>
-          </a:prstGeom>
-          <a:ln w="12700">
-            <a:solidFill>
-              <a:schemeClr val="tx1"/>
-            </a:solidFill>
-            <a:tailEnd type="triangle"/>
-          </a:ln>
-        </p:spPr>
-        <p:style>
-          <a:lnRef idx="1">
-            <a:schemeClr val="accent1"/>
-          </a:lnRef>
-          <a:fillRef idx="0">
-            <a:schemeClr val="accent1"/>
-          </a:fillRef>
-          <a:effectRef idx="0">
-            <a:schemeClr val="accent1"/>
-          </a:effectRef>
-          <a:fontRef idx="minor">
-            <a:schemeClr val="tx1"/>
-          </a:fontRef>
-        </p:style>
-      </p:cxnSp>
       <p:sp>
         <p:nvSpPr>
           <p:cNvPr id="32" name="立方体 31">
@@ -4654,7 +3864,7 @@
         </p:nvSpPr>
         <p:spPr>
           <a:xfrm>
-            <a:off x="1232666" y="667026"/>
+            <a:off x="993631" y="123464"/>
             <a:ext cx="607228" cy="2250521"/>
           </a:xfrm>
           <a:prstGeom prst="cube">
@@ -4726,9 +3936,9 @@
           <p:nvPr/>
         </p:nvCxnSpPr>
         <p:spPr>
-          <a:xfrm flipV="1">
-            <a:off x="1580510" y="1788150"/>
-            <a:ext cx="363272" cy="1"/>
+          <a:xfrm>
+            <a:off x="1384664" y="1210496"/>
+            <a:ext cx="518562" cy="16282"/>
           </a:xfrm>
           <a:prstGeom prst="line">
             <a:avLst/>
@@ -4768,7 +3978,7 @@
         </p:nvSpPr>
         <p:spPr>
           <a:xfrm>
-            <a:off x="2114103" y="2000898"/>
+            <a:off x="2185552" y="1386442"/>
             <a:ext cx="720517" cy="2128577"/>
           </a:xfrm>
           <a:prstGeom prst="cube">
@@ -4831,8 +4041,8 @@
         </p:nvCxnSpPr>
         <p:spPr>
           <a:xfrm>
-            <a:off x="2517993" y="3101851"/>
-            <a:ext cx="659747" cy="0"/>
+            <a:off x="2762842" y="2498659"/>
+            <a:ext cx="360000" cy="0"/>
           </a:xfrm>
           <a:prstGeom prst="straightConnector1">
             <a:avLst/>
@@ -4875,7 +4085,7 @@
         </p:nvSpPr>
         <p:spPr>
           <a:xfrm>
-            <a:off x="2874581" y="2345967"/>
+            <a:off x="2958495" y="1700340"/>
             <a:ext cx="536355" cy="1500780"/>
           </a:xfrm>
           <a:prstGeom prst="cube">
@@ -4938,8 +4148,8 @@
         </p:nvCxnSpPr>
         <p:spPr>
           <a:xfrm>
-            <a:off x="3284930" y="3146297"/>
-            <a:ext cx="295333" cy="0"/>
+            <a:off x="3396623" y="2498659"/>
+            <a:ext cx="270000" cy="0"/>
           </a:xfrm>
           <a:prstGeom prst="straightConnector1">
             <a:avLst/>
@@ -4982,7 +4192,7 @@
         </p:nvSpPr>
         <p:spPr>
           <a:xfrm>
-            <a:off x="3460597" y="2647319"/>
+            <a:off x="3547276" y="2018437"/>
             <a:ext cx="490975" cy="864587"/>
           </a:xfrm>
           <a:prstGeom prst="cube">
@@ -5045,8 +4255,8 @@
         </p:nvCxnSpPr>
         <p:spPr>
           <a:xfrm>
-            <a:off x="3815165" y="3146297"/>
-            <a:ext cx="272814" cy="0"/>
+            <a:off x="3895024" y="2498659"/>
+            <a:ext cx="270000" cy="0"/>
           </a:xfrm>
           <a:prstGeom prst="straightConnector1">
             <a:avLst/>
@@ -5089,7 +4299,7 @@
         </p:nvSpPr>
         <p:spPr>
           <a:xfrm>
-            <a:off x="3998241" y="2919122"/>
+            <a:off x="4045677" y="2223555"/>
             <a:ext cx="682700" cy="454350"/>
           </a:xfrm>
           <a:prstGeom prst="cube">
@@ -5151,8 +4361,8 @@
         </p:nvCxnSpPr>
         <p:spPr>
           <a:xfrm>
-            <a:off x="4614650" y="3146297"/>
-            <a:ext cx="272814" cy="0"/>
+            <a:off x="4641650" y="2496841"/>
+            <a:ext cx="270000" cy="0"/>
           </a:xfrm>
           <a:prstGeom prst="straightConnector1">
             <a:avLst/>
@@ -5195,7 +4405,7 @@
         </p:nvSpPr>
         <p:spPr>
           <a:xfrm>
-            <a:off x="4837070" y="2919122"/>
+            <a:off x="4735803" y="2223555"/>
             <a:ext cx="682700" cy="454350"/>
           </a:xfrm>
           <a:prstGeom prst="cube">
@@ -5257,7 +4467,7 @@
         </p:nvCxnSpPr>
         <p:spPr>
           <a:xfrm>
-            <a:off x="5523096" y="3124896"/>
+            <a:off x="5331776" y="2496841"/>
             <a:ext cx="272814" cy="0"/>
           </a:xfrm>
           <a:prstGeom prst="straightConnector1">
@@ -5301,7 +4511,7 @@
         </p:nvSpPr>
         <p:spPr>
           <a:xfrm>
-            <a:off x="5688660" y="2919122"/>
+            <a:off x="5428743" y="2223555"/>
             <a:ext cx="682700" cy="454350"/>
           </a:xfrm>
           <a:prstGeom prst="cube">
@@ -5363,7 +4573,7 @@
         </p:nvCxnSpPr>
         <p:spPr>
           <a:xfrm flipV="1">
-            <a:off x="6298974" y="3134777"/>
+            <a:off x="6024716" y="2495884"/>
             <a:ext cx="277951" cy="1914"/>
           </a:xfrm>
           <a:prstGeom prst="straightConnector1">
@@ -5407,7 +4617,7 @@
         </p:nvSpPr>
         <p:spPr>
           <a:xfrm>
-            <a:off x="6531578" y="2927651"/>
+            <a:off x="6126820" y="2223555"/>
             <a:ext cx="682700" cy="454350"/>
           </a:xfrm>
           <a:prstGeom prst="cube">
@@ -5469,7 +4679,7 @@
         </p:nvCxnSpPr>
         <p:spPr>
           <a:xfrm>
-            <a:off x="7149295" y="3154826"/>
+            <a:off x="6722793" y="2496841"/>
             <a:ext cx="272814" cy="0"/>
           </a:xfrm>
           <a:prstGeom prst="straightConnector1">
@@ -5513,7 +4723,7 @@
         </p:nvSpPr>
         <p:spPr>
           <a:xfrm>
-            <a:off x="7331003" y="2917547"/>
+            <a:off x="6819760" y="2223555"/>
             <a:ext cx="682700" cy="454350"/>
           </a:xfrm>
           <a:prstGeom prst="cube">
@@ -5575,7 +4785,7 @@
         </p:nvCxnSpPr>
         <p:spPr>
           <a:xfrm>
-            <a:off x="7935441" y="3119389"/>
+            <a:off x="7415733" y="2496841"/>
             <a:ext cx="272814" cy="0"/>
           </a:xfrm>
           <a:prstGeom prst="straightConnector1">
@@ -5619,7 +4829,7 @@
         </p:nvSpPr>
         <p:spPr>
           <a:xfrm>
-            <a:off x="8064597" y="2860964"/>
+            <a:off x="7512700" y="2223555"/>
             <a:ext cx="682700" cy="454350"/>
           </a:xfrm>
           <a:prstGeom prst="cube">
@@ -5665,69 +4875,6 @@
           </a:p>
         </p:txBody>
       </p:sp>
-      <p:sp>
-        <p:nvSpPr>
-          <p:cNvPr id="34" name="立方体 33">
-            <a:extLst>
-              <a:ext uri="{FF2B5EF4-FFF2-40B4-BE49-F238E27FC236}">
-                <a16:creationId xmlns:a16="http://schemas.microsoft.com/office/drawing/2014/main" id="{73665B41-84AF-4AED-9365-6B833DA5E55D}"/>
-              </a:ext>
-            </a:extLst>
-          </p:cNvPr>
-          <p:cNvSpPr>
-            <a:spLocks noChangeAspect="1"/>
-          </p:cNvSpPr>
-          <p:nvPr/>
-        </p:nvSpPr>
-        <p:spPr>
-          <a:xfrm>
-            <a:off x="8773449" y="2632892"/>
-            <a:ext cx="490975" cy="864587"/>
-          </a:xfrm>
-          <a:prstGeom prst="cube">
-            <a:avLst>
-              <a:gd name="adj" fmla="val 53226"/>
-            </a:avLst>
-          </a:prstGeom>
-          <a:solidFill>
-            <a:schemeClr val="accent5">
-              <a:lumMod val="60000"/>
-              <a:lumOff val="40000"/>
-              <a:alpha val="80000"/>
-            </a:schemeClr>
-          </a:solidFill>
-          <a:scene3d>
-            <a:camera prst="orthographicFront">
-              <a:rot lat="0" lon="0" rev="0"/>
-            </a:camera>
-            <a:lightRig rig="threePt" dir="t"/>
-          </a:scene3d>
-        </p:spPr>
-        <p:style>
-          <a:lnRef idx="2">
-            <a:schemeClr val="accent1">
-              <a:shade val="50000"/>
-            </a:schemeClr>
-          </a:lnRef>
-          <a:fillRef idx="1">
-            <a:schemeClr val="accent1"/>
-          </a:fillRef>
-          <a:effectRef idx="0">
-            <a:schemeClr val="accent1"/>
-          </a:effectRef>
-          <a:fontRef idx="minor">
-            <a:schemeClr val="lt1"/>
-          </a:fontRef>
-        </p:style>
-        <p:txBody>
-          <a:bodyPr rtlCol="0" anchor="ctr"/>
-          <a:lstStyle/>
-          <a:p>
-            <a:pPr algn="ctr"/>
-            <a:endParaRPr lang="zh-CN" altLang="en-US" dirty="0"/>
-          </a:p>
-        </p:txBody>
-      </p:sp>
       <p:cxnSp>
         <p:nvCxnSpPr>
           <p:cNvPr id="29" name="直接箭头连接符 28">
@@ -5744,7 +4891,7 @@
         </p:nvCxnSpPr>
         <p:spPr>
           <a:xfrm>
-            <a:off x="9124339" y="3083224"/>
+            <a:off x="8553388" y="2498659"/>
             <a:ext cx="272814" cy="0"/>
           </a:xfrm>
           <a:prstGeom prst="straightConnector1">
@@ -5788,7 +4935,7 @@
         </p:nvSpPr>
         <p:spPr>
           <a:xfrm>
-            <a:off x="9076084" y="2247641"/>
+            <a:off x="8729477" y="1742526"/>
             <a:ext cx="536355" cy="1500780"/>
           </a:xfrm>
           <a:prstGeom prst="cube">
@@ -5851,7 +4998,7 @@
         </p:nvCxnSpPr>
         <p:spPr>
           <a:xfrm>
-            <a:off x="9476032" y="3051611"/>
+            <a:off x="9116030" y="2498659"/>
             <a:ext cx="272814" cy="0"/>
           </a:xfrm>
           <a:prstGeom prst="straightConnector1">
@@ -5893,7 +5040,7 @@
         </p:nvSpPr>
         <p:spPr>
           <a:xfrm>
-            <a:off x="9468413" y="1900125"/>
+            <a:off x="9298694" y="1401968"/>
             <a:ext cx="720517" cy="2128577"/>
           </a:xfrm>
           <a:prstGeom prst="cube">
@@ -5956,7 +5103,7 @@
         </p:nvCxnSpPr>
         <p:spPr>
           <a:xfrm>
-            <a:off x="9872841" y="3020240"/>
+            <a:off x="9701323" y="2498659"/>
             <a:ext cx="272814" cy="0"/>
           </a:xfrm>
           <a:prstGeom prst="straightConnector1">
@@ -5998,7 +5145,7 @@
         </p:nvSpPr>
         <p:spPr>
           <a:xfrm>
-            <a:off x="9906642" y="1900124"/>
+            <a:off x="9848647" y="1428627"/>
             <a:ext cx="720517" cy="2128577"/>
           </a:xfrm>
           <a:prstGeom prst="cube">
@@ -6061,7 +5208,7 @@
         </p:nvCxnSpPr>
         <p:spPr>
           <a:xfrm>
-            <a:off x="10360831" y="3018571"/>
+            <a:off x="10196965" y="2498659"/>
             <a:ext cx="439098" cy="0"/>
           </a:xfrm>
           <a:prstGeom prst="straightConnector1">
@@ -6117,7 +5264,7 @@
         </p:blipFill>
         <p:spPr>
           <a:xfrm>
-            <a:off x="10212228" y="1983138"/>
+            <a:off x="10058905" y="1611119"/>
             <a:ext cx="1755651" cy="1755651"/>
           </a:xfrm>
           <a:prstGeom prst="rect">
@@ -6166,8 +5313,8 @@
         </p:nvSpPr>
         <p:spPr>
           <a:xfrm>
-            <a:off x="3236540" y="3579726"/>
-            <a:ext cx="787021" cy="276999"/>
+            <a:off x="3410654" y="2940965"/>
+            <a:ext cx="863178" cy="276999"/>
           </a:xfrm>
           <a:prstGeom prst="rect">
             <a:avLst/>
@@ -6182,7 +5329,7 @@
           <a:p>
             <a:r>
               <a:rPr lang="en-US" altLang="zh-CN" sz="1200" dirty="0"/>
-              <a:t>64*64*3</a:t>
+              <a:t>128×8×8</a:t>
             </a:r>
             <a:endParaRPr lang="zh-CN" altLang="en-US" sz="1200" dirty="0"/>
           </a:p>
@@ -6202,8 +5349,8 @@
         </p:nvSpPr>
         <p:spPr>
           <a:xfrm>
-            <a:off x="2714764" y="3866703"/>
-            <a:ext cx="787021" cy="276999"/>
+            <a:off x="2820819" y="3224746"/>
+            <a:ext cx="879179" cy="276999"/>
           </a:xfrm>
           <a:prstGeom prst="rect">
             <a:avLst/>
@@ -6218,7 +5365,7 @@
           <a:p>
             <a:r>
               <a:rPr lang="en-US" altLang="zh-CN" sz="1200" dirty="0"/>
-              <a:t>64*64*3</a:t>
+              <a:t>64×16×16</a:t>
             </a:r>
             <a:endParaRPr lang="zh-CN" altLang="en-US" sz="1200" dirty="0"/>
           </a:p>
@@ -6238,8 +5385,8 @@
         </p:nvSpPr>
         <p:spPr>
           <a:xfrm>
-            <a:off x="3933948" y="3421656"/>
-            <a:ext cx="787021" cy="276999"/>
+            <a:off x="5704513" y="2811734"/>
+            <a:ext cx="795737" cy="276999"/>
           </a:xfrm>
           <a:prstGeom prst="rect">
             <a:avLst/>
@@ -6254,7 +5401,7 @@
           <a:p>
             <a:r>
               <a:rPr lang="en-US" altLang="zh-CN" sz="1200" dirty="0"/>
-              <a:t>64*64*3</a:t>
+              <a:t>256×4×4</a:t>
             </a:r>
             <a:endParaRPr lang="zh-CN" altLang="en-US" sz="1200" dirty="0"/>
           </a:p>
@@ -6262,10 +5409,10 @@
       </p:sp>
       <p:sp>
         <p:nvSpPr>
-          <p:cNvPr id="100" name="文本框 99">
-            <a:extLst>
-              <a:ext uri="{FF2B5EF4-FFF2-40B4-BE49-F238E27FC236}">
-                <a16:creationId xmlns:a16="http://schemas.microsoft.com/office/drawing/2014/main" id="{BD7EDFE7-5B2D-5B0D-4880-1B985B770AEB}"/>
+          <p:cNvPr id="105" name="文本框 104">
+            <a:extLst>
+              <a:ext uri="{FF2B5EF4-FFF2-40B4-BE49-F238E27FC236}">
+                <a16:creationId xmlns:a16="http://schemas.microsoft.com/office/drawing/2014/main" id="{67A69400-45C3-A517-64DE-CEEF5CEA0ADB}"/>
               </a:ext>
             </a:extLst>
           </p:cNvPr>
@@ -6274,8 +5421,8 @@
         </p:nvSpPr>
         <p:spPr>
           <a:xfrm>
-            <a:off x="4765687" y="3441226"/>
-            <a:ext cx="787021" cy="276999"/>
+            <a:off x="2028151" y="3622120"/>
+            <a:ext cx="879179" cy="276999"/>
           </a:xfrm>
           <a:prstGeom prst="rect">
             <a:avLst/>
@@ -6290,7 +5437,7 @@
           <a:p>
             <a:r>
               <a:rPr lang="en-US" altLang="zh-CN" sz="1200" dirty="0"/>
-              <a:t>64*64*3</a:t>
+              <a:t>32×32×32</a:t>
             </a:r>
             <a:endParaRPr lang="zh-CN" altLang="en-US" sz="1200" dirty="0"/>
           </a:p>
@@ -6298,10 +5445,10 @@
       </p:sp>
       <p:sp>
         <p:nvSpPr>
-          <p:cNvPr id="101" name="文本框 100">
-            <a:extLst>
-              <a:ext uri="{FF2B5EF4-FFF2-40B4-BE49-F238E27FC236}">
-                <a16:creationId xmlns:a16="http://schemas.microsoft.com/office/drawing/2014/main" id="{DD6047C1-F3A0-F335-3238-A171A0360D5F}"/>
+          <p:cNvPr id="106" name="文本框 105">
+            <a:extLst>
+              <a:ext uri="{FF2B5EF4-FFF2-40B4-BE49-F238E27FC236}">
+                <a16:creationId xmlns:a16="http://schemas.microsoft.com/office/drawing/2014/main" id="{BB948584-B036-0EC3-B765-DE97C09F76A4}"/>
               </a:ext>
             </a:extLst>
           </p:cNvPr>
@@ -6310,8 +5457,8 @@
         </p:nvSpPr>
         <p:spPr>
           <a:xfrm>
-            <a:off x="5597426" y="3441226"/>
-            <a:ext cx="787021" cy="276999"/>
+            <a:off x="26176" y="5226740"/>
+            <a:ext cx="817137" cy="276999"/>
           </a:xfrm>
           <a:prstGeom prst="rect">
             <a:avLst/>
@@ -6326,7 +5473,7 @@
           <a:p>
             <a:r>
               <a:rPr lang="en-US" altLang="zh-CN" sz="1200" dirty="0"/>
-              <a:t>64*64*3</a:t>
+              <a:t>3×64×64</a:t>
             </a:r>
             <a:endParaRPr lang="zh-CN" altLang="en-US" sz="1200" dirty="0"/>
           </a:p>
@@ -6334,10 +5481,10 @@
       </p:sp>
       <p:sp>
         <p:nvSpPr>
-          <p:cNvPr id="102" name="文本框 101">
-            <a:extLst>
-              <a:ext uri="{FF2B5EF4-FFF2-40B4-BE49-F238E27FC236}">
-                <a16:creationId xmlns:a16="http://schemas.microsoft.com/office/drawing/2014/main" id="{636E7ABC-27A9-439E-E8BF-13B9D3DAEFF1}"/>
+          <p:cNvPr id="107" name="文本框 106">
+            <a:extLst>
+              <a:ext uri="{FF2B5EF4-FFF2-40B4-BE49-F238E27FC236}">
+                <a16:creationId xmlns:a16="http://schemas.microsoft.com/office/drawing/2014/main" id="{2FA9D1FA-49F4-A57A-8943-E51FBA3D02E3}"/>
               </a:ext>
             </a:extLst>
           </p:cNvPr>
@@ -6346,8 +5493,8 @@
         </p:nvSpPr>
         <p:spPr>
           <a:xfrm>
-            <a:off x="6457281" y="3425668"/>
-            <a:ext cx="787021" cy="276999"/>
+            <a:off x="-7561" y="2423616"/>
+            <a:ext cx="797591" cy="276999"/>
           </a:xfrm>
           <a:prstGeom prst="rect">
             <a:avLst/>
@@ -6362,7 +5509,7 @@
           <a:p>
             <a:r>
               <a:rPr lang="en-US" altLang="zh-CN" sz="1200" dirty="0"/>
-              <a:t>64*64*3</a:t>
+              <a:t>3×64×64</a:t>
             </a:r>
             <a:endParaRPr lang="zh-CN" altLang="en-US" sz="1200" dirty="0"/>
           </a:p>
@@ -6370,10 +5517,10 @@
       </p:sp>
       <p:sp>
         <p:nvSpPr>
-          <p:cNvPr id="103" name="文本框 102">
-            <a:extLst>
-              <a:ext uri="{FF2B5EF4-FFF2-40B4-BE49-F238E27FC236}">
-                <a16:creationId xmlns:a16="http://schemas.microsoft.com/office/drawing/2014/main" id="{278A4F8C-EB08-07FE-C621-BAAB60F966E7}"/>
+          <p:cNvPr id="111" name="文本框 110">
+            <a:extLst>
+              <a:ext uri="{FF2B5EF4-FFF2-40B4-BE49-F238E27FC236}">
+                <a16:creationId xmlns:a16="http://schemas.microsoft.com/office/drawing/2014/main" id="{0059686F-46BD-E66A-688F-49251EF2C0D6}"/>
               </a:ext>
             </a:extLst>
           </p:cNvPr>
@@ -6382,8 +5529,8 @@
         </p:nvSpPr>
         <p:spPr>
           <a:xfrm>
-            <a:off x="7255449" y="3441226"/>
-            <a:ext cx="787021" cy="276999"/>
+            <a:off x="9749389" y="3550122"/>
+            <a:ext cx="828919" cy="276999"/>
           </a:xfrm>
           <a:prstGeom prst="rect">
             <a:avLst/>
@@ -6398,7 +5545,7 @@
           <a:p>
             <a:r>
               <a:rPr lang="en-US" altLang="zh-CN" sz="1200" dirty="0"/>
-              <a:t>64*64*3</a:t>
+              <a:t>3×64×64</a:t>
             </a:r>
             <a:endParaRPr lang="zh-CN" altLang="en-US" sz="1200" dirty="0"/>
           </a:p>
@@ -6406,10 +5553,10 @@
       </p:sp>
       <p:sp>
         <p:nvSpPr>
-          <p:cNvPr id="104" name="文本框 103">
-            <a:extLst>
-              <a:ext uri="{FF2B5EF4-FFF2-40B4-BE49-F238E27FC236}">
-                <a16:creationId xmlns:a16="http://schemas.microsoft.com/office/drawing/2014/main" id="{A2C486D2-AA9F-4ABF-2A5B-90226BCEB35B}"/>
+          <p:cNvPr id="112" name="文本框 111">
+            <a:extLst>
+              <a:ext uri="{FF2B5EF4-FFF2-40B4-BE49-F238E27FC236}">
+                <a16:creationId xmlns:a16="http://schemas.microsoft.com/office/drawing/2014/main" id="{B3B1BA0D-A709-675C-9100-5876CF2BAE12}"/>
               </a:ext>
             </a:extLst>
           </p:cNvPr>
@@ -6418,8 +5565,8 @@
         </p:nvSpPr>
         <p:spPr>
           <a:xfrm>
-            <a:off x="8038174" y="3428308"/>
-            <a:ext cx="787021" cy="276999"/>
+            <a:off x="10493578" y="3583863"/>
+            <a:ext cx="828919" cy="276999"/>
           </a:xfrm>
           <a:prstGeom prst="rect">
             <a:avLst/>
@@ -6434,7 +5581,7 @@
           <a:p>
             <a:r>
               <a:rPr lang="en-US" altLang="zh-CN" sz="1200" dirty="0"/>
-              <a:t>64*64*3</a:t>
+              <a:t>3×64×64</a:t>
             </a:r>
             <a:endParaRPr lang="zh-CN" altLang="en-US" sz="1200" dirty="0"/>
           </a:p>
@@ -6442,10 +5589,10 @@
       </p:sp>
       <p:sp>
         <p:nvSpPr>
-          <p:cNvPr id="105" name="文本框 104">
-            <a:extLst>
-              <a:ext uri="{FF2B5EF4-FFF2-40B4-BE49-F238E27FC236}">
-                <a16:creationId xmlns:a16="http://schemas.microsoft.com/office/drawing/2014/main" id="{67A69400-45C3-A517-64DE-CEEF5CEA0ADB}"/>
+          <p:cNvPr id="3" name="文本框 2">
+            <a:extLst>
+              <a:ext uri="{FF2B5EF4-FFF2-40B4-BE49-F238E27FC236}">
+                <a16:creationId xmlns:a16="http://schemas.microsoft.com/office/drawing/2014/main" id="{47E824C6-C7F2-F204-14A3-1ADBCEB67F8A}"/>
               </a:ext>
             </a:extLst>
           </p:cNvPr>
@@ -6454,8 +5601,8 @@
         </p:nvSpPr>
         <p:spPr>
           <a:xfrm>
-            <a:off x="1950896" y="4148894"/>
-            <a:ext cx="787021" cy="276999"/>
+            <a:off x="752248" y="2423616"/>
+            <a:ext cx="920166" cy="276999"/>
           </a:xfrm>
           <a:prstGeom prst="rect">
             <a:avLst/>
@@ -6470,7 +5617,7 @@
           <a:p>
             <a:r>
               <a:rPr lang="en-US" altLang="zh-CN" sz="1200" dirty="0"/>
-              <a:t>64*64*3</a:t>
+              <a:t>16×32×32</a:t>
             </a:r>
             <a:endParaRPr lang="zh-CN" altLang="en-US" sz="1200" dirty="0"/>
           </a:p>
@@ -6478,10 +5625,10 @@
       </p:sp>
       <p:sp>
         <p:nvSpPr>
-          <p:cNvPr id="106" name="文本框 105">
-            <a:extLst>
-              <a:ext uri="{FF2B5EF4-FFF2-40B4-BE49-F238E27FC236}">
-                <a16:creationId xmlns:a16="http://schemas.microsoft.com/office/drawing/2014/main" id="{BB948584-B036-0EC3-B765-DE97C09F76A4}"/>
+          <p:cNvPr id="8" name="文本框 7">
+            <a:extLst>
+              <a:ext uri="{FF2B5EF4-FFF2-40B4-BE49-F238E27FC236}">
+                <a16:creationId xmlns:a16="http://schemas.microsoft.com/office/drawing/2014/main" id="{88A8294F-9203-9C61-3286-2EA2CB709781}"/>
               </a:ext>
             </a:extLst>
           </p:cNvPr>
@@ -6490,8 +5637,8 @@
         </p:nvSpPr>
         <p:spPr>
           <a:xfrm>
-            <a:off x="1128591" y="5654766"/>
-            <a:ext cx="787021" cy="276999"/>
+            <a:off x="843313" y="5224161"/>
+            <a:ext cx="885450" cy="276999"/>
           </a:xfrm>
           <a:prstGeom prst="rect">
             <a:avLst/>
@@ -6506,7 +5653,7 @@
           <a:p>
             <a:r>
               <a:rPr lang="en-US" altLang="zh-CN" sz="1200" dirty="0"/>
-              <a:t>64*64*3</a:t>
+              <a:t>16×32×32</a:t>
             </a:r>
             <a:endParaRPr lang="zh-CN" altLang="en-US" sz="1200" dirty="0"/>
           </a:p>
@@ -6514,10 +5661,10 @@
       </p:sp>
       <p:sp>
         <p:nvSpPr>
-          <p:cNvPr id="107" name="文本框 106">
-            <a:extLst>
-              <a:ext uri="{FF2B5EF4-FFF2-40B4-BE49-F238E27FC236}">
-                <a16:creationId xmlns:a16="http://schemas.microsoft.com/office/drawing/2014/main" id="{2FA9D1FA-49F4-A57A-8943-E51FBA3D02E3}"/>
+          <p:cNvPr id="11" name="文本框 10">
+            <a:extLst>
+              <a:ext uri="{FF2B5EF4-FFF2-40B4-BE49-F238E27FC236}">
+                <a16:creationId xmlns:a16="http://schemas.microsoft.com/office/drawing/2014/main" id="{85CE7FEA-8962-3C0A-B228-E047C663367A}"/>
               </a:ext>
             </a:extLst>
           </p:cNvPr>
@@ -6526,8 +5673,8 @@
         </p:nvSpPr>
         <p:spPr>
           <a:xfrm>
-            <a:off x="1128049" y="2981907"/>
-            <a:ext cx="787021" cy="276999"/>
+            <a:off x="7959094" y="2917919"/>
+            <a:ext cx="803374" cy="276999"/>
           </a:xfrm>
           <a:prstGeom prst="rect">
             <a:avLst/>
@@ -6542,7 +5689,7 @@
           <a:p>
             <a:r>
               <a:rPr lang="en-US" altLang="zh-CN" sz="1200" dirty="0"/>
-              <a:t>64*64*3</a:t>
+              <a:t>128×8×8</a:t>
             </a:r>
             <a:endParaRPr lang="zh-CN" altLang="en-US" sz="1200" dirty="0"/>
           </a:p>
@@ -6550,10 +5697,10 @@
       </p:sp>
       <p:sp>
         <p:nvSpPr>
-          <p:cNvPr id="108" name="文本框 107">
-            <a:extLst>
-              <a:ext uri="{FF2B5EF4-FFF2-40B4-BE49-F238E27FC236}">
-                <a16:creationId xmlns:a16="http://schemas.microsoft.com/office/drawing/2014/main" id="{20725CB1-7B7C-C1E6-BBA2-2FBA3AFD85E3}"/>
+          <p:cNvPr id="18" name="文本框 17">
+            <a:extLst>
+              <a:ext uri="{FF2B5EF4-FFF2-40B4-BE49-F238E27FC236}">
+                <a16:creationId xmlns:a16="http://schemas.microsoft.com/office/drawing/2014/main" id="{DB8F2880-DCE8-F476-C1CA-941CB00C7D7A}"/>
               </a:ext>
             </a:extLst>
           </p:cNvPr>
@@ -6562,8 +5709,8 @@
         </p:nvSpPr>
         <p:spPr>
           <a:xfrm>
-            <a:off x="8511413" y="3564167"/>
-            <a:ext cx="787021" cy="276999"/>
+            <a:off x="8454307" y="3290500"/>
+            <a:ext cx="879179" cy="276999"/>
           </a:xfrm>
           <a:prstGeom prst="rect">
             <a:avLst/>
@@ -6578,7 +5725,7 @@
           <a:p>
             <a:r>
               <a:rPr lang="en-US" altLang="zh-CN" sz="1200" dirty="0"/>
-              <a:t>64*64*3</a:t>
+              <a:t>64×16×16</a:t>
             </a:r>
             <a:endParaRPr lang="zh-CN" altLang="en-US" sz="1200" dirty="0"/>
           </a:p>
@@ -6586,10 +5733,10 @@
       </p:sp>
       <p:sp>
         <p:nvSpPr>
-          <p:cNvPr id="109" name="文本框 108">
-            <a:extLst>
-              <a:ext uri="{FF2B5EF4-FFF2-40B4-BE49-F238E27FC236}">
-                <a16:creationId xmlns:a16="http://schemas.microsoft.com/office/drawing/2014/main" id="{FD7F6D52-C53E-2E99-60B5-5C1E0083A47C}"/>
+          <p:cNvPr id="19" name="文本框 18">
+            <a:extLst>
+              <a:ext uri="{FF2B5EF4-FFF2-40B4-BE49-F238E27FC236}">
+                <a16:creationId xmlns:a16="http://schemas.microsoft.com/office/drawing/2014/main" id="{540818A5-2B4B-29B0-D899-DF5370EEF0D9}"/>
               </a:ext>
             </a:extLst>
           </p:cNvPr>
@@ -6598,8 +5745,8 @@
         </p:nvSpPr>
         <p:spPr>
           <a:xfrm>
-            <a:off x="8801248" y="3764950"/>
-            <a:ext cx="787021" cy="276999"/>
+            <a:off x="9005200" y="3550123"/>
+            <a:ext cx="879179" cy="276999"/>
           </a:xfrm>
           <a:prstGeom prst="rect">
             <a:avLst/>
@@ -6614,18 +5761,63 @@
           <a:p>
             <a:r>
               <a:rPr lang="en-US" altLang="zh-CN" sz="1200" dirty="0"/>
-              <a:t>64*64*3</a:t>
+              <a:t>32×32×32</a:t>
             </a:r>
             <a:endParaRPr lang="zh-CN" altLang="en-US" sz="1200" dirty="0"/>
           </a:p>
         </p:txBody>
       </p:sp>
-      <p:sp>
-        <p:nvSpPr>
-          <p:cNvPr id="110" name="文本框 109">
-            <a:extLst>
-              <a:ext uri="{FF2B5EF4-FFF2-40B4-BE49-F238E27FC236}">
-                <a16:creationId xmlns:a16="http://schemas.microsoft.com/office/drawing/2014/main" id="{50F20194-5399-6A86-CC1E-64FFBFB0DEB4}"/>
+      <p:cxnSp>
+        <p:nvCxnSpPr>
+          <p:cNvPr id="83" name="直接箭头连接符 82">
+            <a:extLst>
+              <a:ext uri="{FF2B5EF4-FFF2-40B4-BE49-F238E27FC236}">
+                <a16:creationId xmlns:a16="http://schemas.microsoft.com/office/drawing/2014/main" id="{3C2BA7BE-31A8-40D7-0D12-2214E115D3EB}"/>
+              </a:ext>
+            </a:extLst>
+          </p:cNvPr>
+          <p:cNvCxnSpPr>
+            <a:cxnSpLocks/>
+            <a:endCxn id="62" idx="0"/>
+          </p:cNvCxnSpPr>
+          <p:nvPr/>
+        </p:nvCxnSpPr>
+        <p:spPr>
+          <a:xfrm flipH="1">
+            <a:off x="1892562" y="1226820"/>
+            <a:ext cx="8628" cy="1147165"/>
+          </a:xfrm>
+          <a:prstGeom prst="straightConnector1">
+            <a:avLst/>
+          </a:prstGeom>
+          <a:ln w="12700">
+            <a:solidFill>
+              <a:schemeClr val="tx1"/>
+            </a:solidFill>
+            <a:tailEnd type="triangle"/>
+          </a:ln>
+        </p:spPr>
+        <p:style>
+          <a:lnRef idx="1">
+            <a:schemeClr val="accent1"/>
+          </a:lnRef>
+          <a:fillRef idx="0">
+            <a:schemeClr val="accent1"/>
+          </a:fillRef>
+          <a:effectRef idx="0">
+            <a:schemeClr val="accent1"/>
+          </a:effectRef>
+          <a:fontRef idx="minor">
+            <a:schemeClr val="tx1"/>
+          </a:fontRef>
+        </p:style>
+      </p:cxnSp>
+      <p:sp>
+        <p:nvSpPr>
+          <p:cNvPr id="10" name="文本框 9">
+            <a:extLst>
+              <a:ext uri="{FF2B5EF4-FFF2-40B4-BE49-F238E27FC236}">
+                <a16:creationId xmlns:a16="http://schemas.microsoft.com/office/drawing/2014/main" id="{04AD840E-AB72-123C-BE53-EACC238D545C}"/>
               </a:ext>
             </a:extLst>
           </p:cNvPr>
@@ -6634,8 +5826,8 @@
         </p:nvSpPr>
         <p:spPr>
           <a:xfrm>
-            <a:off x="9194758" y="4051846"/>
-            <a:ext cx="787021" cy="276999"/>
+            <a:off x="5394657" y="4199621"/>
+            <a:ext cx="1678401" cy="307777"/>
           </a:xfrm>
           <a:prstGeom prst="rect">
             <a:avLst/>
@@ -6649,19 +5841,254 @@
           <a:lstStyle/>
           <a:p>
             <a:r>
-              <a:rPr lang="en-US" altLang="zh-CN" sz="1200" dirty="0"/>
-              <a:t>64*64*3</a:t>
-            </a:r>
-            <a:endParaRPr lang="zh-CN" altLang="en-US" sz="1200" dirty="0"/>
-          </a:p>
-        </p:txBody>
-      </p:sp>
-      <p:sp>
-        <p:nvSpPr>
-          <p:cNvPr id="111" name="文本框 110">
-            <a:extLst>
-              <a:ext uri="{FF2B5EF4-FFF2-40B4-BE49-F238E27FC236}">
-                <a16:creationId xmlns:a16="http://schemas.microsoft.com/office/drawing/2014/main" id="{0059686F-46BD-E66A-688F-49251EF2C0D6}"/>
+              <a:rPr lang="en-US" altLang="zh-CN" sz="1400" dirty="0" err="1"/>
+              <a:t>DeConv+BN+Relu</a:t>
+            </a:r>
+            <a:endParaRPr lang="zh-CN" altLang="en-US" sz="1400" dirty="0"/>
+          </a:p>
+        </p:txBody>
+      </p:sp>
+      <p:sp>
+        <p:nvSpPr>
+          <p:cNvPr id="40" name="立方体 39">
+            <a:extLst>
+              <a:ext uri="{FF2B5EF4-FFF2-40B4-BE49-F238E27FC236}">
+                <a16:creationId xmlns:a16="http://schemas.microsoft.com/office/drawing/2014/main" id="{D02B8D1B-9726-ABFA-7EF8-17C6DB52CB02}"/>
+              </a:ext>
+            </a:extLst>
+          </p:cNvPr>
+          <p:cNvSpPr/>
+          <p:nvPr/>
+        </p:nvSpPr>
+        <p:spPr>
+          <a:xfrm>
+            <a:off x="4798011" y="4703695"/>
+            <a:ext cx="372002" cy="369332"/>
+          </a:xfrm>
+          <a:prstGeom prst="cube">
+            <a:avLst/>
+          </a:prstGeom>
+          <a:solidFill>
+            <a:schemeClr val="accent4">
+              <a:lumMod val="40000"/>
+              <a:lumOff val="60000"/>
+              <a:alpha val="80000"/>
+            </a:schemeClr>
+          </a:solidFill>
+          <a:scene3d>
+            <a:camera prst="orthographicFront">
+              <a:rot lat="0" lon="0" rev="0"/>
+            </a:camera>
+            <a:lightRig rig="threePt" dir="t"/>
+          </a:scene3d>
+        </p:spPr>
+        <p:style>
+          <a:lnRef idx="2">
+            <a:schemeClr val="accent1">
+              <a:shade val="50000"/>
+            </a:schemeClr>
+          </a:lnRef>
+          <a:fillRef idx="1">
+            <a:schemeClr val="accent1"/>
+          </a:fillRef>
+          <a:effectRef idx="0">
+            <a:schemeClr val="accent1"/>
+          </a:effectRef>
+          <a:fontRef idx="minor">
+            <a:schemeClr val="lt1"/>
+          </a:fontRef>
+        </p:style>
+        <p:txBody>
+          <a:bodyPr rtlCol="0" anchor="ctr"/>
+          <a:lstStyle/>
+          <a:p>
+            <a:pPr algn="ctr"/>
+            <a:endParaRPr lang="zh-CN" altLang="en-US"/>
+          </a:p>
+        </p:txBody>
+      </p:sp>
+      <p:sp>
+        <p:nvSpPr>
+          <p:cNvPr id="42" name="立方体 41">
+            <a:extLst>
+              <a:ext uri="{FF2B5EF4-FFF2-40B4-BE49-F238E27FC236}">
+                <a16:creationId xmlns:a16="http://schemas.microsoft.com/office/drawing/2014/main" id="{56AA43A1-8D55-B6C0-7F50-7FFDB68F24A6}"/>
+              </a:ext>
+            </a:extLst>
+          </p:cNvPr>
+          <p:cNvSpPr/>
+          <p:nvPr/>
+        </p:nvSpPr>
+        <p:spPr>
+          <a:xfrm>
+            <a:off x="4798011" y="4207307"/>
+            <a:ext cx="372002" cy="369332"/>
+          </a:xfrm>
+          <a:prstGeom prst="cube">
+            <a:avLst/>
+          </a:prstGeom>
+          <a:solidFill>
+            <a:schemeClr val="accent5">
+              <a:lumMod val="60000"/>
+              <a:lumOff val="40000"/>
+              <a:alpha val="80000"/>
+            </a:schemeClr>
+          </a:solidFill>
+          <a:scene3d>
+            <a:camera prst="orthographicFront">
+              <a:rot lat="0" lon="0" rev="0"/>
+            </a:camera>
+            <a:lightRig rig="threePt" dir="t"/>
+          </a:scene3d>
+        </p:spPr>
+        <p:style>
+          <a:lnRef idx="2">
+            <a:schemeClr val="accent1">
+              <a:shade val="50000"/>
+            </a:schemeClr>
+          </a:lnRef>
+          <a:fillRef idx="1">
+            <a:schemeClr val="accent1"/>
+          </a:fillRef>
+          <a:effectRef idx="0">
+            <a:schemeClr val="accent1"/>
+          </a:effectRef>
+          <a:fontRef idx="minor">
+            <a:schemeClr val="lt1"/>
+          </a:fontRef>
+        </p:style>
+        <p:txBody>
+          <a:bodyPr rtlCol="0" anchor="ctr"/>
+          <a:lstStyle/>
+          <a:p>
+            <a:pPr algn="ctr"/>
+            <a:endParaRPr lang="zh-CN" altLang="en-US"/>
+          </a:p>
+        </p:txBody>
+      </p:sp>
+      <p:sp>
+        <p:nvSpPr>
+          <p:cNvPr id="44" name="立方体 43">
+            <a:extLst>
+              <a:ext uri="{FF2B5EF4-FFF2-40B4-BE49-F238E27FC236}">
+                <a16:creationId xmlns:a16="http://schemas.microsoft.com/office/drawing/2014/main" id="{53F07619-8C04-3AF8-2FA1-8F0AEE42401A}"/>
+              </a:ext>
+            </a:extLst>
+          </p:cNvPr>
+          <p:cNvSpPr/>
+          <p:nvPr/>
+        </p:nvSpPr>
+        <p:spPr>
+          <a:xfrm>
+            <a:off x="4798011" y="3710919"/>
+            <a:ext cx="372002" cy="369332"/>
+          </a:xfrm>
+          <a:prstGeom prst="cube">
+            <a:avLst/>
+          </a:prstGeom>
+          <a:solidFill>
+            <a:schemeClr val="bg2">
+              <a:lumMod val="75000"/>
+              <a:alpha val="80000"/>
+            </a:schemeClr>
+          </a:solidFill>
+          <a:scene3d>
+            <a:camera prst="orthographicFront">
+              <a:rot lat="0" lon="0" rev="0"/>
+            </a:camera>
+            <a:lightRig rig="threePt" dir="t"/>
+          </a:scene3d>
+        </p:spPr>
+        <p:style>
+          <a:lnRef idx="2">
+            <a:schemeClr val="accent1">
+              <a:shade val="50000"/>
+            </a:schemeClr>
+          </a:lnRef>
+          <a:fillRef idx="1">
+            <a:schemeClr val="accent1"/>
+          </a:fillRef>
+          <a:effectRef idx="0">
+            <a:schemeClr val="accent1"/>
+          </a:effectRef>
+          <a:fontRef idx="minor">
+            <a:schemeClr val="lt1"/>
+          </a:fontRef>
+        </p:style>
+        <p:txBody>
+          <a:bodyPr rtlCol="0" anchor="ctr"/>
+          <a:lstStyle/>
+          <a:p>
+            <a:pPr algn="ctr"/>
+            <a:endParaRPr lang="zh-CN" altLang="en-US"/>
+          </a:p>
+        </p:txBody>
+      </p:sp>
+      <p:sp>
+        <p:nvSpPr>
+          <p:cNvPr id="45" name="立方体 44">
+            <a:extLst>
+              <a:ext uri="{FF2B5EF4-FFF2-40B4-BE49-F238E27FC236}">
+                <a16:creationId xmlns:a16="http://schemas.microsoft.com/office/drawing/2014/main" id="{5DBCF544-E462-2EC0-8E5A-62A23221A8AD}"/>
+              </a:ext>
+            </a:extLst>
+          </p:cNvPr>
+          <p:cNvSpPr/>
+          <p:nvPr/>
+        </p:nvSpPr>
+        <p:spPr>
+          <a:xfrm>
+            <a:off x="4798011" y="3214531"/>
+            <a:ext cx="372002" cy="369332"/>
+          </a:xfrm>
+          <a:prstGeom prst="cube">
+            <a:avLst/>
+          </a:prstGeom>
+          <a:solidFill>
+            <a:schemeClr val="accent6">
+              <a:lumMod val="20000"/>
+              <a:lumOff val="80000"/>
+              <a:alpha val="80000"/>
+            </a:schemeClr>
+          </a:solidFill>
+          <a:scene3d>
+            <a:camera prst="orthographicFront">
+              <a:rot lat="0" lon="0" rev="0"/>
+            </a:camera>
+            <a:lightRig rig="threePt" dir="t"/>
+          </a:scene3d>
+        </p:spPr>
+        <p:style>
+          <a:lnRef idx="2">
+            <a:schemeClr val="accent1">
+              <a:shade val="50000"/>
+            </a:schemeClr>
+          </a:lnRef>
+          <a:fillRef idx="1">
+            <a:schemeClr val="accent1"/>
+          </a:fillRef>
+          <a:effectRef idx="0">
+            <a:schemeClr val="accent1"/>
+          </a:effectRef>
+          <a:fontRef idx="minor">
+            <a:schemeClr val="lt1"/>
+          </a:fontRef>
+        </p:style>
+        <p:txBody>
+          <a:bodyPr rtlCol="0" anchor="ctr"/>
+          <a:lstStyle/>
+          <a:p>
+            <a:pPr algn="ctr"/>
+            <a:endParaRPr lang="zh-CN" altLang="en-US"/>
+          </a:p>
+        </p:txBody>
+      </p:sp>
+      <p:sp>
+        <p:nvSpPr>
+          <p:cNvPr id="46" name="文本框 45">
+            <a:extLst>
+              <a:ext uri="{FF2B5EF4-FFF2-40B4-BE49-F238E27FC236}">
+                <a16:creationId xmlns:a16="http://schemas.microsoft.com/office/drawing/2014/main" id="{17DF1A83-C501-65C2-205C-AB89948C7AF9}"/>
               </a:ext>
             </a:extLst>
           </p:cNvPr>
@@ -6670,8 +6097,8 @@
         </p:nvSpPr>
         <p:spPr>
           <a:xfrm>
-            <a:off x="9870639" y="4148894"/>
-            <a:ext cx="787021" cy="276999"/>
+            <a:off x="5394657" y="3731336"/>
+            <a:ext cx="1349156" cy="307777"/>
           </a:xfrm>
           <a:prstGeom prst="rect">
             <a:avLst/>
@@ -6685,19 +6112,19 @@
           <a:lstStyle/>
           <a:p>
             <a:r>
-              <a:rPr lang="en-US" altLang="zh-CN" sz="1200" dirty="0"/>
-              <a:t>64*64*3</a:t>
-            </a:r>
-            <a:endParaRPr lang="zh-CN" altLang="en-US" sz="1200" dirty="0"/>
-          </a:p>
-        </p:txBody>
-      </p:sp>
-      <p:sp>
-        <p:nvSpPr>
-          <p:cNvPr id="112" name="文本框 111">
-            <a:extLst>
-              <a:ext uri="{FF2B5EF4-FFF2-40B4-BE49-F238E27FC236}">
-                <a16:creationId xmlns:a16="http://schemas.microsoft.com/office/drawing/2014/main" id="{B3B1BA0D-A709-675C-9100-5876CF2BAE12}"/>
+              <a:rPr lang="en-US" altLang="zh-CN" sz="1400" dirty="0"/>
+              <a:t>Resnet Block</a:t>
+            </a:r>
+            <a:endParaRPr lang="zh-CN" altLang="en-US" sz="1400" dirty="0"/>
+          </a:p>
+        </p:txBody>
+      </p:sp>
+      <p:sp>
+        <p:nvSpPr>
+          <p:cNvPr id="47" name="文本框 46">
+            <a:extLst>
+              <a:ext uri="{FF2B5EF4-FFF2-40B4-BE49-F238E27FC236}">
+                <a16:creationId xmlns:a16="http://schemas.microsoft.com/office/drawing/2014/main" id="{E2C57E65-CEB8-7E2A-8E4A-D0B3B9BE37EE}"/>
               </a:ext>
             </a:extLst>
           </p:cNvPr>
@@ -6706,8 +6133,8 @@
         </p:nvSpPr>
         <p:spPr>
           <a:xfrm>
-            <a:off x="10799929" y="4129475"/>
-            <a:ext cx="787021" cy="276999"/>
+            <a:off x="5394657" y="3263051"/>
+            <a:ext cx="1990659" cy="307777"/>
           </a:xfrm>
           <a:prstGeom prst="rect">
             <a:avLst/>
@@ -6721,19 +6148,19 @@
           <a:lstStyle/>
           <a:p>
             <a:r>
-              <a:rPr lang="en-US" altLang="zh-CN" sz="1200" dirty="0"/>
-              <a:t>64*64*3</a:t>
-            </a:r>
-            <a:endParaRPr lang="zh-CN" altLang="en-US" sz="1200" dirty="0"/>
-          </a:p>
-        </p:txBody>
-      </p:sp>
-      <p:sp>
-        <p:nvSpPr>
-          <p:cNvPr id="114" name="文本框 113">
-            <a:extLst>
-              <a:ext uri="{FF2B5EF4-FFF2-40B4-BE49-F238E27FC236}">
-                <a16:creationId xmlns:a16="http://schemas.microsoft.com/office/drawing/2014/main" id="{2BB2747F-30C3-D393-6AB5-7927D0289A00}"/>
+              <a:rPr lang="en-US" altLang="zh-CN" sz="1400" dirty="0" err="1"/>
+              <a:t>Conv+BN+Relu</a:t>
+            </a:r>
+            <a:endParaRPr lang="zh-CN" altLang="en-US" sz="1400" dirty="0"/>
+          </a:p>
+        </p:txBody>
+      </p:sp>
+      <p:sp>
+        <p:nvSpPr>
+          <p:cNvPr id="48" name="文本框 47">
+            <a:extLst>
+              <a:ext uri="{FF2B5EF4-FFF2-40B4-BE49-F238E27FC236}">
+                <a16:creationId xmlns:a16="http://schemas.microsoft.com/office/drawing/2014/main" id="{3860E224-C17B-35CC-16CA-06969ACCB39C}"/>
               </a:ext>
             </a:extLst>
           </p:cNvPr>
@@ -6742,20 +6169,147 @@
         </p:nvSpPr>
         <p:spPr>
           <a:xfrm>
-            <a:off x="7177043" y="4868536"/>
-            <a:ext cx="3140508" cy="1200329"/>
+            <a:off x="5394657" y="4667906"/>
+            <a:ext cx="1349156" cy="307777"/>
           </a:xfrm>
           <a:prstGeom prst="rect">
             <a:avLst/>
           </a:prstGeom>
           <a:noFill/>
-          <a:ln w="12700" cap="flat">
+        </p:spPr>
+        <p:txBody>
+          <a:bodyPr wrap="square" rtlCol="0">
+            <a:spAutoFit/>
+          </a:bodyPr>
+          <a:lstStyle/>
+          <a:p>
+            <a:r>
+              <a:rPr lang="en-US" altLang="zh-CN" sz="1400" dirty="0" err="1"/>
+              <a:t>DeConv+Tanh</a:t>
+            </a:r>
+            <a:endParaRPr lang="zh-CN" altLang="en-US" sz="1400" dirty="0"/>
+          </a:p>
+        </p:txBody>
+      </p:sp>
+      <p:cxnSp>
+        <p:nvCxnSpPr>
+          <p:cNvPr id="26" name="直接箭头连接符 25">
+            <a:extLst>
+              <a:ext uri="{FF2B5EF4-FFF2-40B4-BE49-F238E27FC236}">
+                <a16:creationId xmlns:a16="http://schemas.microsoft.com/office/drawing/2014/main" id="{2486A502-CCBA-8037-E010-560CC6AECDD1}"/>
+              </a:ext>
+            </a:extLst>
+          </p:cNvPr>
+          <p:cNvCxnSpPr>
+            <a:cxnSpLocks/>
+          </p:cNvCxnSpPr>
+          <p:nvPr/>
+        </p:nvCxnSpPr>
+        <p:spPr>
+          <a:xfrm>
+            <a:off x="8153241" y="2496841"/>
+            <a:ext cx="272814" cy="0"/>
+          </a:xfrm>
+          <a:prstGeom prst="straightConnector1">
+            <a:avLst/>
+          </a:prstGeom>
+          <a:ln w="12700">
             <a:solidFill>
               <a:schemeClr val="tx1"/>
             </a:solidFill>
-            <a:prstDash val="solid"/>
+            <a:tailEnd type="triangle"/>
           </a:ln>
-          <a:effectLst/>
+        </p:spPr>
+        <p:style>
+          <a:lnRef idx="1">
+            <a:schemeClr val="accent1"/>
+          </a:lnRef>
+          <a:fillRef idx="0">
+            <a:schemeClr val="accent1"/>
+          </a:fillRef>
+          <a:effectRef idx="0">
+            <a:schemeClr val="accent1"/>
+          </a:effectRef>
+          <a:fontRef idx="minor">
+            <a:schemeClr val="tx1"/>
+          </a:fontRef>
+        </p:style>
+      </p:cxnSp>
+      <p:sp>
+        <p:nvSpPr>
+          <p:cNvPr id="51" name="流程图: 或者 50">
+            <a:extLst>
+              <a:ext uri="{FF2B5EF4-FFF2-40B4-BE49-F238E27FC236}">
+                <a16:creationId xmlns:a16="http://schemas.microsoft.com/office/drawing/2014/main" id="{DDEB6674-6F31-10F2-9C21-5C1E8A858DEA}"/>
+              </a:ext>
+            </a:extLst>
+          </p:cNvPr>
+          <p:cNvSpPr/>
+          <p:nvPr/>
+        </p:nvSpPr>
+        <p:spPr>
+          <a:xfrm>
+            <a:off x="4893480" y="5200082"/>
+            <a:ext cx="181064" cy="180000"/>
+          </a:xfrm>
+          <a:prstGeom prst="flowChartOr">
+            <a:avLst/>
+          </a:prstGeom>
+          <a:solidFill>
+            <a:schemeClr val="bg2"/>
+          </a:solidFill>
+          <a:ln w="12700">
+            <a:solidFill>
+              <a:schemeClr val="tx1"/>
+            </a:solidFill>
+          </a:ln>
+        </p:spPr>
+        <p:style>
+          <a:lnRef idx="2">
+            <a:schemeClr val="accent1">
+              <a:shade val="50000"/>
+            </a:schemeClr>
+          </a:lnRef>
+          <a:fillRef idx="1">
+            <a:schemeClr val="accent1"/>
+          </a:fillRef>
+          <a:effectRef idx="0">
+            <a:schemeClr val="accent1"/>
+          </a:effectRef>
+          <a:fontRef idx="minor">
+            <a:schemeClr val="lt1"/>
+          </a:fontRef>
+        </p:style>
+        <p:txBody>
+          <a:bodyPr rtlCol="0" anchor="ctr"/>
+          <a:lstStyle/>
+          <a:p>
+            <a:pPr algn="ctr"/>
+            <a:endParaRPr lang="zh-CN" altLang="en-US"/>
+          </a:p>
+        </p:txBody>
+      </p:sp>
+      <p:sp>
+        <p:nvSpPr>
+          <p:cNvPr id="55" name="文本框 54">
+            <a:extLst>
+              <a:ext uri="{FF2B5EF4-FFF2-40B4-BE49-F238E27FC236}">
+                <a16:creationId xmlns:a16="http://schemas.microsoft.com/office/drawing/2014/main" id="{A1AF1F9D-111B-5B46-2FC6-D5FC8487872A}"/>
+              </a:ext>
+            </a:extLst>
+          </p:cNvPr>
+          <p:cNvSpPr txBox="1"/>
+          <p:nvPr/>
+        </p:nvSpPr>
+        <p:spPr>
+          <a:xfrm>
+            <a:off x="5394657" y="5136193"/>
+            <a:ext cx="1349156" cy="307777"/>
+          </a:xfrm>
+          <a:prstGeom prst="rect">
+            <a:avLst/>
+          </a:prstGeom>
+          <a:noFill/>
         </p:spPr>
         <p:txBody>
           <a:bodyPr wrap="square" rtlCol="0">
@@ -6764,29 +6318,10 @@
           <a:lstStyle/>
           <a:p>
             <a:r>
-              <a:rPr lang="en-US" altLang="zh-CN" dirty="0"/>
-              <a:t>Conv</a:t>
-            </a:r>
-          </a:p>
-          <a:p>
-            <a:r>
-              <a:rPr lang="en-US" altLang="zh-CN" dirty="0"/>
-              <a:t>Res</a:t>
-            </a:r>
-          </a:p>
-          <a:p>
-            <a:r>
-              <a:rPr lang="en-US" altLang="zh-CN" dirty="0" err="1"/>
-              <a:t>DeConv</a:t>
-            </a:r>
-            <a:endParaRPr lang="en-US" altLang="zh-CN" dirty="0"/>
-          </a:p>
-          <a:p>
-            <a:r>
-              <a:rPr lang="en-US" altLang="zh-CN" dirty="0"/>
-              <a:t>Tanh</a:t>
-            </a:r>
-            <a:endParaRPr lang="zh-CN" altLang="en-US" dirty="0"/>
+              <a:rPr lang="en-US" altLang="zh-CN" sz="1400" dirty="0" err="1"/>
+              <a:t>Concat</a:t>
+            </a:r>
+            <a:endParaRPr lang="zh-CN" altLang="en-US" sz="1400" dirty="0"/>
           </a:p>
         </p:txBody>
       </p:sp>
